--- a/other-talks/WZ24 Poster.pptx
+++ b/other-talks/WZ24 Poster.pptx
@@ -626,7 +626,7 @@
           </a:ln>
           <a:extLst>
             <a:ext uri="{C572A759-6A51-4108-AA02-DFA0A04FC94B}">
-              <ma14:wrappingTextBoxFlag xmlns="" xmlns:m="http://schemas.openxmlformats.org/officeDocument/2006/math" xmlns:a14="http://schemas.microsoft.com/office/drawing/2010/main" xmlns:ma14="http://schemas.microsoft.com/office/mac/drawingml/2011/main" val="1"/>
+              <ma14:wrappingTextBoxFlag xmlns:ma14="http://schemas.microsoft.com/office/mac/drawingml/2011/main" xmlns:a14="http://schemas.microsoft.com/office/drawing/2010/main" xmlns:m="http://schemas.openxmlformats.org/officeDocument/2006/math" xmlns="" val="1"/>
             </a:ext>
           </a:extLst>
         </p:spPr>
@@ -663,7 +663,7 @@
           </a:ln>
           <a:extLst>
             <a:ext uri="{C572A759-6A51-4108-AA02-DFA0A04FC94B}">
-              <ma14:wrappingTextBoxFlag xmlns="" xmlns:m="http://schemas.openxmlformats.org/officeDocument/2006/math" xmlns:a14="http://schemas.microsoft.com/office/drawing/2010/main" xmlns:ma14="http://schemas.microsoft.com/office/mac/drawingml/2011/main" val="1"/>
+              <ma14:wrappingTextBoxFlag xmlns:ma14="http://schemas.microsoft.com/office/mac/drawingml/2011/main" xmlns:a14="http://schemas.microsoft.com/office/drawing/2010/main" xmlns:m="http://schemas.openxmlformats.org/officeDocument/2006/math" xmlns="" val="1"/>
             </a:ext>
           </a:extLst>
         </p:spPr>
@@ -1495,7 +1495,7 @@
           </a:ln>
           <a:extLst>
             <a:ext uri="{C572A759-6A51-4108-AA02-DFA0A04FC94B}">
-              <ma14:wrappingTextBoxFlag xmlns="" xmlns:m="http://schemas.openxmlformats.org/officeDocument/2006/math" xmlns:a14="http://schemas.microsoft.com/office/drawing/2010/main" xmlns:ma14="http://schemas.microsoft.com/office/mac/drawingml/2011/main" val="1"/>
+              <ma14:wrappingTextBoxFlag xmlns:ma14="http://schemas.microsoft.com/office/mac/drawingml/2011/main" xmlns:a14="http://schemas.microsoft.com/office/drawing/2010/main" xmlns:m="http://schemas.openxmlformats.org/officeDocument/2006/math" xmlns="" val="1"/>
             </a:ext>
           </a:extLst>
         </p:spPr>
@@ -1557,7 +1557,7 @@
           </a:ln>
           <a:extLst>
             <a:ext uri="{C572A759-6A51-4108-AA02-DFA0A04FC94B}">
-              <ma14:wrappingTextBoxFlag xmlns="" xmlns:m="http://schemas.openxmlformats.org/officeDocument/2006/math" xmlns:a14="http://schemas.microsoft.com/office/drawing/2010/main" xmlns:ma14="http://schemas.microsoft.com/office/mac/drawingml/2011/main" val="1"/>
+              <ma14:wrappingTextBoxFlag xmlns:ma14="http://schemas.microsoft.com/office/mac/drawingml/2011/main" xmlns:a14="http://schemas.microsoft.com/office/drawing/2010/main" xmlns:m="http://schemas.openxmlformats.org/officeDocument/2006/math" xmlns="" val="1"/>
             </a:ext>
           </a:extLst>
         </p:spPr>
@@ -1590,8 +1590,8 @@
           </a:p>
         </p:txBody>
       </p:sp>
-      <mc:AlternateContent xmlns:mc="http://schemas.openxmlformats.org/markup-compatibility/2006">
-        <mc:Choice xmlns:a14="http://schemas.microsoft.com/office/drawing/2010/main" Requires="a14">
+      <mc:AlternateContent xmlns:mc="http://schemas.openxmlformats.org/markup-compatibility/2006" xmlns:a14="http://schemas.microsoft.com/office/drawing/2010/main">
+        <mc:Choice Requires="a14">
           <p:sp>
             <p:nvSpPr>
               <p:cNvPr id="34" name="TextBox 39"/>
@@ -1611,7 +1611,7 @@
               </a:ln>
               <a:extLst>
                 <a:ext uri="{C572A759-6A51-4108-AA02-DFA0A04FC94B}">
-                  <ma14:wrappingTextBoxFlag xmlns="" xmlns:m="http://schemas.openxmlformats.org/officeDocument/2006/math" xmlns:ma14="http://schemas.microsoft.com/office/mac/drawingml/2011/main" val="1"/>
+                  <ma14:wrappingTextBoxFlag xmlns:ma14="http://schemas.microsoft.com/office/mac/drawingml/2011/main" xmlns:m="http://schemas.openxmlformats.org/officeDocument/2006/math" xmlns="" val="1"/>
                 </a:ext>
               </a:extLst>
             </p:spPr>
@@ -1817,7 +1817,7 @@
             </p:txBody>
           </p:sp>
         </mc:Choice>
-        <mc:Fallback>
+        <mc:Fallback xmlns="">
           <p:sp>
             <p:nvSpPr>
               <p:cNvPr id="34" name="TextBox 39"/>
@@ -1864,8 +1864,8 @@
           </p:sp>
         </mc:Fallback>
       </mc:AlternateContent>
-      <mc:AlternateContent xmlns:mc="http://schemas.openxmlformats.org/markup-compatibility/2006">
-        <mc:Choice xmlns:a14="http://schemas.microsoft.com/office/drawing/2010/main" Requires="a14">
+      <mc:AlternateContent xmlns:mc="http://schemas.openxmlformats.org/markup-compatibility/2006" xmlns:a14="http://schemas.microsoft.com/office/drawing/2010/main">
+        <mc:Choice Requires="a14">
           <p:sp>
             <p:nvSpPr>
               <p:cNvPr id="36" name="TextBox 42"/>
@@ -1885,7 +1885,7 @@
               </a:ln>
               <a:extLst>
                 <a:ext uri="{C572A759-6A51-4108-AA02-DFA0A04FC94B}">
-                  <ma14:wrappingTextBoxFlag xmlns="" xmlns:m="http://schemas.openxmlformats.org/officeDocument/2006/math" xmlns:ma14="http://schemas.microsoft.com/office/mac/drawingml/2011/main" val="1"/>
+                  <ma14:wrappingTextBoxFlag xmlns:ma14="http://schemas.microsoft.com/office/mac/drawingml/2011/main" xmlns:m="http://schemas.openxmlformats.org/officeDocument/2006/math" xmlns="" val="1"/>
                 </a:ext>
               </a:extLst>
             </p:spPr>
@@ -2385,7 +2385,7 @@
             </p:txBody>
           </p:sp>
         </mc:Choice>
-        <mc:Fallback>
+        <mc:Fallback xmlns="">
           <p:sp>
             <p:nvSpPr>
               <p:cNvPr id="36" name="TextBox 42"/>
@@ -2451,7 +2451,7 @@
           </a:ln>
           <a:extLst>
             <a:ext uri="{C572A759-6A51-4108-AA02-DFA0A04FC94B}">
-              <ma14:wrappingTextBoxFlag xmlns="" xmlns:m="http://schemas.openxmlformats.org/officeDocument/2006/math" xmlns:a14="http://schemas.microsoft.com/office/drawing/2010/main" xmlns:ma14="http://schemas.microsoft.com/office/mac/drawingml/2011/main" val="1"/>
+              <ma14:wrappingTextBoxFlag xmlns:ma14="http://schemas.microsoft.com/office/mac/drawingml/2011/main" xmlns:a14="http://schemas.microsoft.com/office/drawing/2010/main" xmlns:m="http://schemas.openxmlformats.org/officeDocument/2006/math" xmlns="" val="1"/>
             </a:ext>
           </a:extLst>
         </p:spPr>
@@ -2502,7 +2502,7 @@
           </a:ln>
           <a:extLst>
             <a:ext uri="{C572A759-6A51-4108-AA02-DFA0A04FC94B}">
-              <ma14:wrappingTextBoxFlag xmlns="" xmlns:m="http://schemas.openxmlformats.org/officeDocument/2006/math" xmlns:a14="http://schemas.microsoft.com/office/drawing/2010/main" xmlns:ma14="http://schemas.microsoft.com/office/mac/drawingml/2011/main" val="1"/>
+              <ma14:wrappingTextBoxFlag xmlns:ma14="http://schemas.microsoft.com/office/mac/drawingml/2011/main" xmlns:a14="http://schemas.microsoft.com/office/drawing/2010/main" xmlns:m="http://schemas.openxmlformats.org/officeDocument/2006/math" xmlns="" val="1"/>
             </a:ext>
           </a:extLst>
         </p:spPr>
@@ -2543,8 +2543,8 @@
         </p:nvSpPr>
         <p:spPr>
           <a:xfrm>
-            <a:off x="15841979" y="802309"/>
-            <a:ext cx="10287000" cy="954107"/>
+            <a:off x="14478000" y="802309"/>
+            <a:ext cx="11650979" cy="1077218"/>
           </a:xfrm>
           <a:prstGeom prst="rect">
             <a:avLst/>
@@ -2554,7 +2554,7 @@
           </a:ln>
           <a:extLst>
             <a:ext uri="{C572A759-6A51-4108-AA02-DFA0A04FC94B}">
-              <ma14:wrappingTextBoxFlag xmlns="" xmlns:m="http://schemas.openxmlformats.org/officeDocument/2006/math" xmlns:a14="http://schemas.microsoft.com/office/drawing/2010/main" xmlns:ma14="http://schemas.microsoft.com/office/mac/drawingml/2011/main" val="1"/>
+              <ma14:wrappingTextBoxFlag xmlns:ma14="http://schemas.microsoft.com/office/mac/drawingml/2011/main" xmlns:a14="http://schemas.microsoft.com/office/drawing/2010/main" xmlns:m="http://schemas.openxmlformats.org/officeDocument/2006/math" xmlns="" val="1"/>
             </a:ext>
           </a:extLst>
         </p:spPr>
@@ -2565,7 +2565,10 @@
           <a:lstStyle/>
           <a:p>
             <a:r>
-              <a:rPr lang="en-US" sz="2800" dirty="0">
+              <a:rPr lang="en-US" sz="3200" dirty="0">
+                <a:solidFill>
+                  <a:srgbClr val="7030A0"/>
+                </a:solidFill>
                 <a:latin typeface="Calibri" panose="020F0502020204030204" pitchFamily="34" charset="0"/>
                 <a:cs typeface="Calibri" panose="020F0502020204030204" pitchFamily="34" charset="0"/>
               </a:rPr>
@@ -2574,7 +2577,10 @@
           </a:p>
           <a:p>
             <a:r>
-              <a:rPr lang="en-US" sz="2800" dirty="0">
+              <a:rPr lang="en-US" sz="3200" dirty="0">
+                <a:solidFill>
+                  <a:srgbClr val="7030A0"/>
+                </a:solidFill>
                 <a:latin typeface="Calibri" panose="020F0502020204030204" pitchFamily="34" charset="0"/>
                 <a:cs typeface="Calibri" panose="020F0502020204030204" pitchFamily="34" charset="0"/>
               </a:rPr>
@@ -2610,8 +2616,8 @@
           </a:ln>
         </p:spPr>
       </p:pic>
-      <mc:AlternateContent xmlns:mc="http://schemas.openxmlformats.org/markup-compatibility/2006">
-        <mc:Choice xmlns:a14="http://schemas.microsoft.com/office/drawing/2010/main" Requires="a14">
+      <mc:AlternateContent xmlns:mc="http://schemas.openxmlformats.org/markup-compatibility/2006" xmlns:a14="http://schemas.microsoft.com/office/drawing/2010/main">
+        <mc:Choice Requires="a14">
           <p:sp>
             <p:nvSpPr>
               <p:cNvPr id="2" name="Rectangle 1">
@@ -2874,7 +2880,7 @@
             </p:txBody>
           </p:sp>
         </mc:Choice>
-        <mc:Fallback>
+        <mc:Fallback xmlns="">
           <p:sp>
             <p:nvSpPr>
               <p:cNvPr id="2" name="Rectangle 1">
@@ -2944,7 +2950,7 @@
           </a:ln>
           <a:extLst>
             <a:ext uri="{C572A759-6A51-4108-AA02-DFA0A04FC94B}">
-              <ma14:wrappingTextBoxFlag xmlns="" xmlns:m="http://schemas.openxmlformats.org/officeDocument/2006/math" xmlns:a14="http://schemas.microsoft.com/office/drawing/2010/main" xmlns:ma14="http://schemas.microsoft.com/office/mac/drawingml/2011/main" val="1"/>
+              <ma14:wrappingTextBoxFlag xmlns:ma14="http://schemas.microsoft.com/office/mac/drawingml/2011/main" xmlns:a14="http://schemas.microsoft.com/office/drawing/2010/main" xmlns:m="http://schemas.openxmlformats.org/officeDocument/2006/math" xmlns="" val="1"/>
             </a:ext>
           </a:extLst>
         </p:spPr>
@@ -2977,8 +2983,8 @@
           </a:p>
         </p:txBody>
       </p:sp>
-      <mc:AlternateContent xmlns:mc="http://schemas.openxmlformats.org/markup-compatibility/2006">
-        <mc:Choice xmlns:a14="http://schemas.microsoft.com/office/drawing/2010/main" Requires="a14">
+      <mc:AlternateContent xmlns:mc="http://schemas.openxmlformats.org/markup-compatibility/2006" xmlns:a14="http://schemas.microsoft.com/office/drawing/2010/main">
+        <mc:Choice Requires="a14">
           <p:sp>
             <p:nvSpPr>
               <p:cNvPr id="6" name="TextBox 5">
@@ -3834,7 +3840,7 @@
             </p:txBody>
           </p:sp>
         </mc:Choice>
-        <mc:Fallback>
+        <mc:Fallback xmlns="">
           <p:sp>
             <p:nvSpPr>
               <p:cNvPr id="6" name="TextBox 5">
@@ -3884,8 +3890,8 @@
           </p:sp>
         </mc:Fallback>
       </mc:AlternateContent>
-      <mc:AlternateContent xmlns:mc="http://schemas.openxmlformats.org/markup-compatibility/2006">
-        <mc:Choice xmlns:a14="http://schemas.microsoft.com/office/drawing/2010/main" Requires="a14">
+      <mc:AlternateContent xmlns:mc="http://schemas.openxmlformats.org/markup-compatibility/2006" xmlns:a14="http://schemas.microsoft.com/office/drawing/2010/main">
+        <mc:Choice Requires="a14">
           <p:sp>
             <p:nvSpPr>
               <p:cNvPr id="7" name="Rectangle 6">
@@ -4158,7 +4164,7 @@
             </p:txBody>
           </p:sp>
         </mc:Choice>
-        <mc:Fallback>
+        <mc:Fallback xmlns="">
           <p:sp>
             <p:nvSpPr>
               <p:cNvPr id="7" name="Rectangle 6">
@@ -4228,7 +4234,7 @@
           </a:ln>
           <a:extLst>
             <a:ext uri="{C572A759-6A51-4108-AA02-DFA0A04FC94B}">
-              <ma14:wrappingTextBoxFlag xmlns="" xmlns:m="http://schemas.openxmlformats.org/officeDocument/2006/math" xmlns:a14="http://schemas.microsoft.com/office/drawing/2010/main" xmlns:ma14="http://schemas.microsoft.com/office/mac/drawingml/2011/main" val="1"/>
+              <ma14:wrappingTextBoxFlag xmlns:ma14="http://schemas.microsoft.com/office/mac/drawingml/2011/main" xmlns:a14="http://schemas.microsoft.com/office/drawing/2010/main" xmlns:m="http://schemas.openxmlformats.org/officeDocument/2006/math" xmlns="" val="1"/>
             </a:ext>
           </a:extLst>
         </p:spPr>
@@ -4257,8 +4263,8 @@
           </a:p>
         </p:txBody>
       </p:sp>
-      <mc:AlternateContent xmlns:mc="http://schemas.openxmlformats.org/markup-compatibility/2006">
-        <mc:Choice xmlns:a14="http://schemas.microsoft.com/office/drawing/2010/main" Requires="a14">
+      <mc:AlternateContent xmlns:mc="http://schemas.openxmlformats.org/markup-compatibility/2006" xmlns:a14="http://schemas.microsoft.com/office/drawing/2010/main">
+        <mc:Choice Requires="a14">
           <p:sp>
             <p:nvSpPr>
               <p:cNvPr id="13" name="TextBox 12">
@@ -5108,7 +5114,7 @@
             </p:txBody>
           </p:sp>
         </mc:Choice>
-        <mc:Fallback>
+        <mc:Fallback xmlns="">
           <p:sp>
             <p:nvSpPr>
               <p:cNvPr id="13" name="TextBox 12">
@@ -5183,7 +5189,7 @@
           </a:ln>
           <a:extLst>
             <a:ext uri="{C572A759-6A51-4108-AA02-DFA0A04FC94B}">
-              <ma14:wrappingTextBoxFlag xmlns="" xmlns:m="http://schemas.openxmlformats.org/officeDocument/2006/math" xmlns:a14="http://schemas.microsoft.com/office/drawing/2010/main" xmlns:ma14="http://schemas.microsoft.com/office/mac/drawingml/2011/main" val="1"/>
+              <ma14:wrappingTextBoxFlag xmlns:ma14="http://schemas.microsoft.com/office/mac/drawingml/2011/main" xmlns:a14="http://schemas.microsoft.com/office/drawing/2010/main" xmlns:m="http://schemas.openxmlformats.org/officeDocument/2006/math" xmlns="" val="1"/>
             </a:ext>
           </a:extLst>
         </p:spPr>
@@ -5215,8 +5221,8 @@
           </a:p>
         </p:txBody>
       </p:sp>
-      <mc:AlternateContent xmlns:mc="http://schemas.openxmlformats.org/markup-compatibility/2006">
-        <mc:Choice xmlns:a14="http://schemas.microsoft.com/office/drawing/2010/main" Requires="a14">
+      <mc:AlternateContent xmlns:mc="http://schemas.openxmlformats.org/markup-compatibility/2006" xmlns:a14="http://schemas.microsoft.com/office/drawing/2010/main">
+        <mc:Choice Requires="a14">
           <p:sp>
             <p:nvSpPr>
               <p:cNvPr id="16" name="TextBox 15">
@@ -5425,7 +5431,7 @@
             </p:txBody>
           </p:sp>
         </mc:Choice>
-        <mc:Fallback>
+        <mc:Fallback xmlns="">
           <p:sp>
             <p:nvSpPr>
               <p:cNvPr id="16" name="TextBox 15">
@@ -5475,8 +5481,8 @@
           </p:sp>
         </mc:Fallback>
       </mc:AlternateContent>
-      <mc:AlternateContent xmlns:mc="http://schemas.openxmlformats.org/markup-compatibility/2006">
-        <mc:Choice xmlns:a14="http://schemas.microsoft.com/office/drawing/2010/main" Requires="a14">
+      <mc:AlternateContent xmlns:mc="http://schemas.openxmlformats.org/markup-compatibility/2006" xmlns:a14="http://schemas.microsoft.com/office/drawing/2010/main">
+        <mc:Choice Requires="a14">
           <p:sp>
             <p:nvSpPr>
               <p:cNvPr id="18" name="TextBox 17">
@@ -6252,7 +6258,7 @@
             </p:txBody>
           </p:sp>
         </mc:Choice>
-        <mc:Fallback>
+        <mc:Fallback xmlns="">
           <p:sp>
             <p:nvSpPr>
               <p:cNvPr id="18" name="TextBox 17">
@@ -6327,7 +6333,7 @@
           </a:ln>
           <a:extLst>
             <a:ext uri="{C572A759-6A51-4108-AA02-DFA0A04FC94B}">
-              <ma14:wrappingTextBoxFlag xmlns="" xmlns:m="http://schemas.openxmlformats.org/officeDocument/2006/math" xmlns:a14="http://schemas.microsoft.com/office/drawing/2010/main" xmlns:ma14="http://schemas.microsoft.com/office/mac/drawingml/2011/main" val="1"/>
+              <ma14:wrappingTextBoxFlag xmlns:ma14="http://schemas.microsoft.com/office/mac/drawingml/2011/main" xmlns:a14="http://schemas.microsoft.com/office/drawing/2010/main" xmlns:m="http://schemas.openxmlformats.org/officeDocument/2006/math" xmlns="" val="1"/>
             </a:ext>
           </a:extLst>
         </p:spPr>
@@ -6414,7 +6420,7 @@
           </a:ln>
           <a:extLst>
             <a:ext uri="{C572A759-6A51-4108-AA02-DFA0A04FC94B}">
-              <ma14:wrappingTextBoxFlag xmlns="" xmlns:m="http://schemas.openxmlformats.org/officeDocument/2006/math" xmlns:a14="http://schemas.microsoft.com/office/drawing/2010/main" xmlns:ma14="http://schemas.microsoft.com/office/mac/drawingml/2011/main" val="1"/>
+              <ma14:wrappingTextBoxFlag xmlns:ma14="http://schemas.microsoft.com/office/mac/drawingml/2011/main" xmlns:a14="http://schemas.microsoft.com/office/drawing/2010/main" xmlns:m="http://schemas.openxmlformats.org/officeDocument/2006/math" xmlns="" val="1"/>
             </a:ext>
           </a:extLst>
         </p:spPr>
@@ -6651,7 +6657,7 @@
           </a:ln>
           <a:extLst>
             <a:ext uri="{C572A759-6A51-4108-AA02-DFA0A04FC94B}">
-              <ma14:wrappingTextBoxFlag xmlns="" xmlns:m="http://schemas.openxmlformats.org/officeDocument/2006/math" xmlns:a14="http://schemas.microsoft.com/office/drawing/2010/main" xmlns:ma14="http://schemas.microsoft.com/office/mac/drawingml/2011/main" val="1"/>
+              <ma14:wrappingTextBoxFlag xmlns:ma14="http://schemas.microsoft.com/office/mac/drawingml/2011/main" xmlns:a14="http://schemas.microsoft.com/office/drawing/2010/main" xmlns:m="http://schemas.openxmlformats.org/officeDocument/2006/math" xmlns="" val="1"/>
             </a:ext>
           </a:extLst>
         </p:spPr>
@@ -6683,8 +6689,8 @@
           </a:p>
         </p:txBody>
       </p:sp>
-      <mc:AlternateContent xmlns:mc="http://schemas.openxmlformats.org/markup-compatibility/2006">
-        <mc:Choice xmlns:a14="http://schemas.microsoft.com/office/drawing/2010/main" Requires="a14">
+      <mc:AlternateContent xmlns:mc="http://schemas.openxmlformats.org/markup-compatibility/2006" xmlns:a14="http://schemas.microsoft.com/office/drawing/2010/main">
+        <mc:Choice Requires="a14">
           <p:sp>
             <p:nvSpPr>
               <p:cNvPr id="61" name="TextBox 60">
@@ -6980,7 +6986,7 @@
             </p:txBody>
           </p:sp>
         </mc:Choice>
-        <mc:Fallback>
+        <mc:Fallback xmlns="">
           <p:sp>
             <p:nvSpPr>
               <p:cNvPr id="61" name="TextBox 60">

--- a/other-talks/WZ24 Poster.pptx
+++ b/other-talks/WZ24 Poster.pptx
@@ -626,7 +626,7 @@
           </a:ln>
           <a:extLst>
             <a:ext uri="{C572A759-6A51-4108-AA02-DFA0A04FC94B}">
-              <ma14:wrappingTextBoxFlag xmlns:ma14="http://schemas.microsoft.com/office/mac/drawingml/2011/main" xmlns:a14="http://schemas.microsoft.com/office/drawing/2010/main" xmlns:m="http://schemas.openxmlformats.org/officeDocument/2006/math" xmlns="" val="1"/>
+              <ma14:wrappingTextBoxFlag xmlns="" xmlns:m="http://schemas.openxmlformats.org/officeDocument/2006/math" xmlns:a14="http://schemas.microsoft.com/office/drawing/2010/main" xmlns:ma14="http://schemas.microsoft.com/office/mac/drawingml/2011/main" val="1"/>
             </a:ext>
           </a:extLst>
         </p:spPr>
@@ -663,7 +663,7 @@
           </a:ln>
           <a:extLst>
             <a:ext uri="{C572A759-6A51-4108-AA02-DFA0A04FC94B}">
-              <ma14:wrappingTextBoxFlag xmlns:ma14="http://schemas.microsoft.com/office/mac/drawingml/2011/main" xmlns:a14="http://schemas.microsoft.com/office/drawing/2010/main" xmlns:m="http://schemas.openxmlformats.org/officeDocument/2006/math" xmlns="" val="1"/>
+              <ma14:wrappingTextBoxFlag xmlns="" xmlns:m="http://schemas.openxmlformats.org/officeDocument/2006/math" xmlns:a14="http://schemas.microsoft.com/office/drawing/2010/main" xmlns:ma14="http://schemas.microsoft.com/office/mac/drawingml/2011/main" val="1"/>
             </a:ext>
           </a:extLst>
         </p:spPr>
@@ -1495,7 +1495,7 @@
           </a:ln>
           <a:extLst>
             <a:ext uri="{C572A759-6A51-4108-AA02-DFA0A04FC94B}">
-              <ma14:wrappingTextBoxFlag xmlns:ma14="http://schemas.microsoft.com/office/mac/drawingml/2011/main" xmlns:a14="http://schemas.microsoft.com/office/drawing/2010/main" xmlns:m="http://schemas.openxmlformats.org/officeDocument/2006/math" xmlns="" val="1"/>
+              <ma14:wrappingTextBoxFlag xmlns="" xmlns:m="http://schemas.openxmlformats.org/officeDocument/2006/math" xmlns:a14="http://schemas.microsoft.com/office/drawing/2010/main" xmlns:ma14="http://schemas.microsoft.com/office/mac/drawingml/2011/main" val="1"/>
             </a:ext>
           </a:extLst>
         </p:spPr>
@@ -1546,8 +1546,8 @@
         </p:nvSpPr>
         <p:spPr>
           <a:xfrm>
-            <a:off x="986246" y="3430700"/>
-            <a:ext cx="9064534" cy="646331"/>
+            <a:off x="732246" y="7844986"/>
+            <a:ext cx="10404754" cy="646331"/>
           </a:xfrm>
           <a:prstGeom prst="rect">
             <a:avLst/>
@@ -1557,12 +1557,12 @@
           </a:ln>
           <a:extLst>
             <a:ext uri="{C572A759-6A51-4108-AA02-DFA0A04FC94B}">
-              <ma14:wrappingTextBoxFlag xmlns:ma14="http://schemas.microsoft.com/office/mac/drawingml/2011/main" xmlns:a14="http://schemas.microsoft.com/office/drawing/2010/main" xmlns:m="http://schemas.openxmlformats.org/officeDocument/2006/math" xmlns="" val="1"/>
+              <ma14:wrappingTextBoxFlag xmlns="" xmlns:m="http://schemas.openxmlformats.org/officeDocument/2006/math" xmlns:a14="http://schemas.microsoft.com/office/drawing/2010/main" xmlns:ma14="http://schemas.microsoft.com/office/mac/drawingml/2011/main" val="1"/>
             </a:ext>
           </a:extLst>
         </p:spPr>
         <p:txBody>
-          <a:bodyPr lIns="45719" rIns="45719">
+          <a:bodyPr wrap="square" lIns="45719" rIns="45719">
             <a:spAutoFit/>
           </a:bodyPr>
           <a:lstStyle>
@@ -1590,8 +1590,8 @@
           </a:p>
         </p:txBody>
       </p:sp>
-      <mc:AlternateContent xmlns:mc="http://schemas.openxmlformats.org/markup-compatibility/2006" xmlns:a14="http://schemas.microsoft.com/office/drawing/2010/main">
-        <mc:Choice Requires="a14">
+      <mc:AlternateContent xmlns:mc="http://schemas.openxmlformats.org/markup-compatibility/2006">
+        <mc:Choice xmlns:a14="http://schemas.microsoft.com/office/drawing/2010/main" Requires="a14">
           <p:sp>
             <p:nvSpPr>
               <p:cNvPr id="34" name="TextBox 39"/>
@@ -1600,8 +1600,8 @@
             </p:nvSpPr>
             <p:spPr>
               <a:xfrm>
-                <a:off x="986246" y="4119230"/>
-                <a:ext cx="9064534" cy="2270237"/>
+                <a:off x="732246" y="8533516"/>
+                <a:ext cx="10404754" cy="2270237"/>
               </a:xfrm>
               <a:prstGeom prst="rect">
                 <a:avLst/>
@@ -1611,12 +1611,12 @@
               </a:ln>
               <a:extLst>
                 <a:ext uri="{C572A759-6A51-4108-AA02-DFA0A04FC94B}">
-                  <ma14:wrappingTextBoxFlag xmlns:ma14="http://schemas.microsoft.com/office/mac/drawingml/2011/main" xmlns:m="http://schemas.openxmlformats.org/officeDocument/2006/math" xmlns="" val="1"/>
+                  <ma14:wrappingTextBoxFlag xmlns="" xmlns:m="http://schemas.openxmlformats.org/officeDocument/2006/math" xmlns:ma14="http://schemas.microsoft.com/office/mac/drawingml/2011/main" val="1"/>
                 </a:ext>
               </a:extLst>
             </p:spPr>
             <p:txBody>
-              <a:bodyPr lIns="45719" rIns="45719">
+              <a:bodyPr wrap="square" lIns="45719" rIns="45719">
                 <a:spAutoFit/>
               </a:bodyPr>
               <a:lstStyle>
@@ -1636,10 +1636,12 @@
                 </a:lvl1pPr>
               </a:lstStyle>
               <a:p>
-                <a:pPr>
+                <a:pPr marL="457200" indent="-457200">
                   <a:buClr>
                     <a:schemeClr val="tx1"/>
                   </a:buClr>
+                  <a:buFont typeface="Arial" panose="020B0604020202020204" pitchFamily="34" charset="0"/>
+                  <a:buChar char="•"/>
                 </a:pPr>
                 <a:r>
                   <a:rPr lang="en-US" sz="3000" dirty="0">
@@ -1694,10 +1696,12 @@
                 </a:endParaRPr>
               </a:p>
               <a:p>
-                <a:pPr>
+                <a:pPr marL="457200" indent="-457200">
                   <a:buClr>
                     <a:schemeClr val="tx1"/>
                   </a:buClr>
+                  <a:buFont typeface="Arial" panose="020B0604020202020204" pitchFamily="34" charset="0"/>
+                  <a:buChar char="•"/>
                 </a:pPr>
                 <a:r>
                   <a:rPr lang="en-US" sz="3000" dirty="0">
@@ -1718,10 +1722,12 @@
                 </a:r>
               </a:p>
               <a:p>
-                <a:pPr>
+                <a:pPr marL="457200" indent="-457200">
                   <a:buClr>
                     <a:schemeClr val="tx1"/>
                   </a:buClr>
+                  <a:buFont typeface="Arial" panose="020B0604020202020204" pitchFamily="34" charset="0"/>
+                  <a:buChar char="•"/>
                 </a:pPr>
                 <a:r>
                   <a:rPr lang="en-US" sz="3000" dirty="0">
@@ -1817,7 +1823,7 @@
             </p:txBody>
           </p:sp>
         </mc:Choice>
-        <mc:Fallback xmlns="">
+        <mc:Fallback>
           <p:sp>
             <p:nvSpPr>
               <p:cNvPr id="34" name="TextBox 39"/>
@@ -1828,8 +1834,8 @@
             </p:nvSpPr>
             <p:spPr>
               <a:xfrm>
-                <a:off x="986246" y="4119230"/>
-                <a:ext cx="9064534" cy="2270237"/>
+                <a:off x="732246" y="8533516"/>
+                <a:ext cx="10404754" cy="2270237"/>
               </a:xfrm>
               <a:prstGeom prst="rect">
                 <a:avLst/>
@@ -1837,7 +1843,7 @@
               <a:blipFill>
                 <a:blip r:embed="rId2"/>
                 <a:stretch>
-                  <a:fillRect l="-2085" t="-806" r="-2286" b="-7796"/>
+                  <a:fillRect l="-1640" t="-806" b="-7796"/>
                 </a:stretch>
               </a:blipFill>
               <a:ln w="12700">
@@ -1845,7 +1851,7 @@
               </a:ln>
               <a:extLst>
                 <a:ext uri="{C572A759-6A51-4108-AA02-DFA0A04FC94B}">
-                  <ma14:wrappingTextBoxFlag xmlns="" xmlns:m="http://schemas.openxmlformats.org/officeDocument/2006/math" xmlns:a14="http://schemas.microsoft.com/office/drawing/2010/main" xmlns:ma14="http://schemas.microsoft.com/office/mac/drawingml/2011/main" val="1"/>
+                  <ma14:wrappingTextBoxFlag xmlns="" xmlns:m="http://schemas.openxmlformats.org/officeDocument/2006/math" xmlns:ma14="http://schemas.microsoft.com/office/mac/drawingml/2011/main" xmlns:a14="http://schemas.microsoft.com/office/drawing/2010/main" val="1"/>
                 </a:ext>
               </a:extLst>
             </p:spPr>
@@ -1864,8 +1870,8 @@
           </p:sp>
         </mc:Fallback>
       </mc:AlternateContent>
-      <mc:AlternateContent xmlns:mc="http://schemas.openxmlformats.org/markup-compatibility/2006" xmlns:a14="http://schemas.microsoft.com/office/drawing/2010/main">
-        <mc:Choice Requires="a14">
+      <mc:AlternateContent xmlns:mc="http://schemas.openxmlformats.org/markup-compatibility/2006">
+        <mc:Choice xmlns:a14="http://schemas.microsoft.com/office/drawing/2010/main" Requires="a14">
           <p:sp>
             <p:nvSpPr>
               <p:cNvPr id="36" name="TextBox 42"/>
@@ -1874,8 +1880,8 @@
             </p:nvSpPr>
             <p:spPr>
               <a:xfrm>
-                <a:off x="986246" y="7234941"/>
-                <a:ext cx="9064534" cy="4318490"/>
+                <a:off x="732246" y="11649227"/>
+                <a:ext cx="10404754" cy="4318490"/>
               </a:xfrm>
               <a:prstGeom prst="rect">
                 <a:avLst/>
@@ -1885,20 +1891,22 @@
               </a:ln>
               <a:extLst>
                 <a:ext uri="{C572A759-6A51-4108-AA02-DFA0A04FC94B}">
-                  <ma14:wrappingTextBoxFlag xmlns:ma14="http://schemas.microsoft.com/office/mac/drawingml/2011/main" xmlns:m="http://schemas.openxmlformats.org/officeDocument/2006/math" xmlns="" val="1"/>
+                  <ma14:wrappingTextBoxFlag xmlns="" xmlns:m="http://schemas.openxmlformats.org/officeDocument/2006/math" xmlns:ma14="http://schemas.microsoft.com/office/mac/drawingml/2011/main" val="1"/>
                 </a:ext>
               </a:extLst>
             </p:spPr>
             <p:txBody>
-              <a:bodyPr lIns="45719" rIns="45719">
+              <a:bodyPr wrap="square" lIns="45719" rIns="45719">
                 <a:spAutoFit/>
               </a:bodyPr>
               <a:lstStyle/>
               <a:p>
-                <a:pPr>
+                <a:pPr marL="457200" indent="-457200">
                   <a:buClr>
                     <a:schemeClr val="tx1"/>
                   </a:buClr>
+                  <a:buFont typeface="Arial" panose="020B0604020202020204" pitchFamily="34" charset="0"/>
+                  <a:buChar char="•"/>
                 </a:pPr>
                 <a:r>
                   <a:rPr lang="en-US" sz="3000" dirty="0">
@@ -2068,10 +2076,12 @@
                 </a:r>
               </a:p>
               <a:p>
-                <a:pPr>
+                <a:pPr marL="457200" indent="-457200">
                   <a:buClr>
                     <a:schemeClr val="tx1"/>
                   </a:buClr>
+                  <a:buFont typeface="Arial" panose="020B0604020202020204" pitchFamily="34" charset="0"/>
+                  <a:buChar char="•"/>
                 </a:pPr>
                 <a:r>
                   <a:rPr lang="en-US" sz="3000" dirty="0">
@@ -2130,10 +2140,12 @@
                 </a:r>
               </a:p>
               <a:p>
-                <a:pPr lvl="1">
+                <a:pPr marL="457200" lvl="1" indent="-457200">
                   <a:buClr>
                     <a:schemeClr val="tx1"/>
                   </a:buClr>
+                  <a:buFont typeface="Arial" panose="020B0604020202020204" pitchFamily="34" charset="0"/>
+                  <a:buChar char="•"/>
                 </a:pPr>
                 <a:endParaRPr lang="en-US" sz="3000" dirty="0">
                   <a:solidFill>
@@ -2144,10 +2156,12 @@
                 </a:endParaRPr>
               </a:p>
               <a:p>
-                <a:pPr lvl="1">
+                <a:pPr marL="457200" lvl="1" indent="-457200">
                   <a:buClr>
                     <a:schemeClr val="tx1"/>
                   </a:buClr>
+                  <a:buFont typeface="Arial" panose="020B0604020202020204" pitchFamily="34" charset="0"/>
+                  <a:buChar char="•"/>
                 </a:pPr>
                 <a:endParaRPr lang="en-US" sz="3000" dirty="0">
                   <a:latin typeface="Calibri" panose="020F0502020204030204" pitchFamily="34" charset="0"/>
@@ -2155,10 +2169,12 @@
                 </a:endParaRPr>
               </a:p>
               <a:p>
-                <a:pPr lvl="1">
+                <a:pPr marL="457200" lvl="1" indent="-457200">
                   <a:buClr>
                     <a:schemeClr val="tx1"/>
                   </a:buClr>
+                  <a:buFont typeface="Arial" panose="020B0604020202020204" pitchFamily="34" charset="0"/>
+                  <a:buChar char="•"/>
                 </a:pPr>
                 <a:endParaRPr lang="en-US" sz="3000" dirty="0">
                   <a:solidFill>
@@ -2169,10 +2185,12 @@
                 </a:endParaRPr>
               </a:p>
               <a:p>
-                <a:pPr>
+                <a:pPr marL="457200" indent="-457200">
                   <a:buClr>
                     <a:schemeClr val="tx1"/>
                   </a:buClr>
+                  <a:buFont typeface="Arial" panose="020B0604020202020204" pitchFamily="34" charset="0"/>
+                  <a:buChar char="•"/>
                 </a:pPr>
                 <a:r>
                   <a:rPr lang="en-US" sz="3000" dirty="0">
@@ -2359,10 +2377,12 @@
                 </a:endParaRPr>
               </a:p>
               <a:p>
-                <a:pPr>
+                <a:pPr marL="457200" indent="-457200">
                   <a:buClr>
                     <a:schemeClr val="tx1"/>
                   </a:buClr>
+                  <a:buFont typeface="Arial" panose="020B0604020202020204" pitchFamily="34" charset="0"/>
+                  <a:buChar char="•"/>
                 </a:pPr>
                 <a:r>
                   <a:rPr lang="en-US" sz="3000" dirty="0">
@@ -2385,7 +2405,7 @@
             </p:txBody>
           </p:sp>
         </mc:Choice>
-        <mc:Fallback xmlns="">
+        <mc:Fallback>
           <p:sp>
             <p:nvSpPr>
               <p:cNvPr id="36" name="TextBox 42"/>
@@ -2396,8 +2416,8 @@
             </p:nvSpPr>
             <p:spPr>
               <a:xfrm>
-                <a:off x="986246" y="7234941"/>
-                <a:ext cx="9064534" cy="4318490"/>
+                <a:off x="732246" y="11649227"/>
+                <a:ext cx="10404754" cy="4318490"/>
               </a:xfrm>
               <a:prstGeom prst="rect">
                 <a:avLst/>
@@ -2405,7 +2425,7 @@
               <a:blipFill>
                 <a:blip r:embed="rId3"/>
                 <a:stretch>
-                  <a:fillRect l="-2085" t="-1695" b="-3531"/>
+                  <a:fillRect l="-1640" t="-1695" b="-3531"/>
                 </a:stretch>
               </a:blipFill>
               <a:ln w="12700">
@@ -2413,7 +2433,7 @@
               </a:ln>
               <a:extLst>
                 <a:ext uri="{C572A759-6A51-4108-AA02-DFA0A04FC94B}">
-                  <ma14:wrappingTextBoxFlag xmlns="" xmlns:m="http://schemas.openxmlformats.org/officeDocument/2006/math" xmlns:a14="http://schemas.microsoft.com/office/drawing/2010/main" xmlns:ma14="http://schemas.microsoft.com/office/mac/drawingml/2011/main" val="1"/>
+                  <ma14:wrappingTextBoxFlag xmlns="" xmlns:m="http://schemas.openxmlformats.org/officeDocument/2006/math" xmlns:ma14="http://schemas.microsoft.com/office/mac/drawingml/2011/main" xmlns:a14="http://schemas.microsoft.com/office/drawing/2010/main" val="1"/>
                 </a:ext>
               </a:extLst>
             </p:spPr>
@@ -2440,7 +2460,7 @@
         </p:nvSpPr>
         <p:spPr>
           <a:xfrm>
-            <a:off x="11037573" y="3430700"/>
+            <a:off x="11009436" y="9207491"/>
             <a:ext cx="9064533" cy="646331"/>
           </a:xfrm>
           <a:prstGeom prst="rect">
@@ -2451,7 +2471,7 @@
           </a:ln>
           <a:extLst>
             <a:ext uri="{C572A759-6A51-4108-AA02-DFA0A04FC94B}">
-              <ma14:wrappingTextBoxFlag xmlns:ma14="http://schemas.microsoft.com/office/mac/drawingml/2011/main" xmlns:a14="http://schemas.microsoft.com/office/drawing/2010/main" xmlns:m="http://schemas.openxmlformats.org/officeDocument/2006/math" xmlns="" val="1"/>
+              <ma14:wrappingTextBoxFlag xmlns="" xmlns:m="http://schemas.openxmlformats.org/officeDocument/2006/math" xmlns:a14="http://schemas.microsoft.com/office/drawing/2010/main" xmlns:ma14="http://schemas.microsoft.com/office/mac/drawingml/2011/main" val="1"/>
             </a:ext>
           </a:extLst>
         </p:spPr>
@@ -2491,8 +2511,8 @@
         </p:nvSpPr>
         <p:spPr>
           <a:xfrm>
-            <a:off x="986246" y="6458738"/>
-            <a:ext cx="9064534" cy="646331"/>
+            <a:off x="732246" y="10873024"/>
+            <a:ext cx="10404754" cy="646331"/>
           </a:xfrm>
           <a:prstGeom prst="rect">
             <a:avLst/>
@@ -2502,12 +2522,12 @@
           </a:ln>
           <a:extLst>
             <a:ext uri="{C572A759-6A51-4108-AA02-DFA0A04FC94B}">
-              <ma14:wrappingTextBoxFlag xmlns:ma14="http://schemas.microsoft.com/office/mac/drawingml/2011/main" xmlns:a14="http://schemas.microsoft.com/office/drawing/2010/main" xmlns:m="http://schemas.openxmlformats.org/officeDocument/2006/math" xmlns="" val="1"/>
+              <ma14:wrappingTextBoxFlag xmlns="" xmlns:m="http://schemas.openxmlformats.org/officeDocument/2006/math" xmlns:a14="http://schemas.microsoft.com/office/drawing/2010/main" xmlns:ma14="http://schemas.microsoft.com/office/mac/drawingml/2011/main" val="1"/>
             </a:ext>
           </a:extLst>
         </p:spPr>
         <p:txBody>
-          <a:bodyPr lIns="45719" rIns="45719">
+          <a:bodyPr wrap="square" lIns="45719" rIns="45719">
             <a:spAutoFit/>
           </a:bodyPr>
           <a:lstStyle>
@@ -2554,7 +2574,7 @@
           </a:ln>
           <a:extLst>
             <a:ext uri="{C572A759-6A51-4108-AA02-DFA0A04FC94B}">
-              <ma14:wrappingTextBoxFlag xmlns:ma14="http://schemas.microsoft.com/office/mac/drawingml/2011/main" xmlns:a14="http://schemas.microsoft.com/office/drawing/2010/main" xmlns:m="http://schemas.openxmlformats.org/officeDocument/2006/math" xmlns="" val="1"/>
+              <ma14:wrappingTextBoxFlag xmlns="" xmlns:m="http://schemas.openxmlformats.org/officeDocument/2006/math" xmlns:a14="http://schemas.microsoft.com/office/drawing/2010/main" xmlns:ma14="http://schemas.microsoft.com/office/mac/drawingml/2011/main" val="1"/>
             </a:ext>
           </a:extLst>
         </p:spPr>
@@ -2616,8 +2636,8 @@
           </a:ln>
         </p:spPr>
       </p:pic>
-      <mc:AlternateContent xmlns:mc="http://schemas.openxmlformats.org/markup-compatibility/2006" xmlns:a14="http://schemas.microsoft.com/office/drawing/2010/main">
-        <mc:Choice Requires="a14">
+      <mc:AlternateContent xmlns:mc="http://schemas.openxmlformats.org/markup-compatibility/2006">
+        <mc:Choice xmlns:a14="http://schemas.microsoft.com/office/drawing/2010/main" Requires="a14">
           <p:sp>
             <p:nvSpPr>
               <p:cNvPr id="2" name="Rectangle 1">
@@ -2632,8 +2652,8 @@
             </p:nvSpPr>
             <p:spPr>
               <a:xfrm>
-                <a:off x="1906464" y="8924996"/>
-                <a:ext cx="6253315" cy="699166"/>
+                <a:off x="1652464" y="13339282"/>
+                <a:ext cx="7177887" cy="699166"/>
               </a:xfrm>
               <a:prstGeom prst="rect">
                 <a:avLst/>
@@ -2880,7 +2900,7 @@
             </p:txBody>
           </p:sp>
         </mc:Choice>
-        <mc:Fallback xmlns="">
+        <mc:Fallback>
           <p:sp>
             <p:nvSpPr>
               <p:cNvPr id="2" name="Rectangle 1">
@@ -2897,8 +2917,8 @@
             </p:nvSpPr>
             <p:spPr>
               <a:xfrm>
-                <a:off x="1906464" y="8924996"/>
-                <a:ext cx="6253315" cy="699166"/>
+                <a:off x="1652464" y="13339282"/>
+                <a:ext cx="7177887" cy="699166"/>
               </a:xfrm>
               <a:prstGeom prst="rect">
                 <a:avLst/>
@@ -2939,8 +2959,8 @@
         </p:nvSpPr>
         <p:spPr>
           <a:xfrm>
-            <a:off x="986246" y="11683303"/>
-            <a:ext cx="9064534" cy="646331"/>
+            <a:off x="732246" y="16097589"/>
+            <a:ext cx="10404754" cy="646331"/>
           </a:xfrm>
           <a:prstGeom prst="rect">
             <a:avLst/>
@@ -2950,12 +2970,12 @@
           </a:ln>
           <a:extLst>
             <a:ext uri="{C572A759-6A51-4108-AA02-DFA0A04FC94B}">
-              <ma14:wrappingTextBoxFlag xmlns:ma14="http://schemas.microsoft.com/office/mac/drawingml/2011/main" xmlns:a14="http://schemas.microsoft.com/office/drawing/2010/main" xmlns:m="http://schemas.openxmlformats.org/officeDocument/2006/math" xmlns="" val="1"/>
+              <ma14:wrappingTextBoxFlag xmlns="" xmlns:m="http://schemas.openxmlformats.org/officeDocument/2006/math" xmlns:a14="http://schemas.microsoft.com/office/drawing/2010/main" xmlns:ma14="http://schemas.microsoft.com/office/mac/drawingml/2011/main" val="1"/>
             </a:ext>
           </a:extLst>
         </p:spPr>
         <p:txBody>
-          <a:bodyPr lIns="45719" rIns="45719">
+          <a:bodyPr wrap="square" lIns="45719" rIns="45719">
             <a:spAutoFit/>
           </a:bodyPr>
           <a:lstStyle>
@@ -2983,8 +3003,8 @@
           </a:p>
         </p:txBody>
       </p:sp>
-      <mc:AlternateContent xmlns:mc="http://schemas.openxmlformats.org/markup-compatibility/2006" xmlns:a14="http://schemas.microsoft.com/office/drawing/2010/main">
-        <mc:Choice Requires="a14">
+      <mc:AlternateContent xmlns:mc="http://schemas.openxmlformats.org/markup-compatibility/2006">
+        <mc:Choice xmlns:a14="http://schemas.microsoft.com/office/drawing/2010/main" Requires="a14">
           <p:sp>
             <p:nvSpPr>
               <p:cNvPr id="6" name="TextBox 5">
@@ -2999,8 +3019,8 @@
             </p:nvSpPr>
             <p:spPr>
               <a:xfrm>
-                <a:off x="960120" y="12432180"/>
-                <a:ext cx="9064534" cy="4865499"/>
+                <a:off x="706120" y="16846466"/>
+                <a:ext cx="10404754" cy="4865499"/>
               </a:xfrm>
               <a:prstGeom prst="rect">
                 <a:avLst/>
@@ -3031,10 +3051,12 @@
               </a:bodyPr>
               <a:lstStyle/>
               <a:p>
-                <a:pPr>
+                <a:pPr marL="457200" indent="-457200">
                   <a:buClr>
                     <a:schemeClr val="tx1"/>
                   </a:buClr>
+                  <a:buFont typeface="Arial" panose="020B0604020202020204" pitchFamily="34" charset="0"/>
+                  <a:buChar char="•"/>
                 </a:pPr>
                 <a:r>
                   <a:rPr lang="en-US" sz="3000" dirty="0">
@@ -3208,10 +3230,12 @@
                 </a:endParaRPr>
               </a:p>
               <a:p>
-                <a:pPr>
+                <a:pPr marL="457200" indent="-457200">
                   <a:buClr>
                     <a:schemeClr val="tx1"/>
                   </a:buClr>
+                  <a:buFont typeface="Arial" panose="020B0604020202020204" pitchFamily="34" charset="0"/>
+                  <a:buChar char="•"/>
                 </a:pPr>
                 <a:r>
                   <a:rPr lang="en-US" sz="3000" dirty="0">
@@ -3270,10 +3294,12 @@
                 </a:r>
               </a:p>
               <a:p>
-                <a:pPr lvl="1">
+                <a:pPr marL="457200" lvl="1" indent="-457200">
                   <a:buClr>
                     <a:schemeClr val="tx1"/>
                   </a:buClr>
+                  <a:buFont typeface="Arial" panose="020B0604020202020204" pitchFamily="34" charset="0"/>
+                  <a:buChar char="•"/>
                 </a:pPr>
                 <a:endParaRPr lang="en-US" sz="3000" dirty="0">
                   <a:solidFill>
@@ -3284,10 +3310,12 @@
                 </a:endParaRPr>
               </a:p>
               <a:p>
-                <a:pPr lvl="1">
+                <a:pPr marL="457200" lvl="1" indent="-457200">
                   <a:buClr>
                     <a:schemeClr val="tx1"/>
                   </a:buClr>
+                  <a:buFont typeface="Arial" panose="020B0604020202020204" pitchFamily="34" charset="0"/>
+                  <a:buChar char="•"/>
                 </a:pPr>
                 <a:endParaRPr lang="en-US" sz="3000" dirty="0">
                   <a:latin typeface="Calibri" panose="020F0502020204030204" pitchFamily="34" charset="0"/>
@@ -3295,10 +3323,12 @@
                 </a:endParaRPr>
               </a:p>
               <a:p>
-                <a:pPr lvl="1">
+                <a:pPr marL="457200" lvl="1" indent="-457200">
                   <a:buClr>
                     <a:schemeClr val="tx1"/>
                   </a:buClr>
+                  <a:buFont typeface="Arial" panose="020B0604020202020204" pitchFamily="34" charset="0"/>
+                  <a:buChar char="•"/>
                 </a:pPr>
                 <a:endParaRPr lang="en-US" sz="3000" dirty="0">
                   <a:solidFill>
@@ -3309,10 +3339,12 @@
                 </a:endParaRPr>
               </a:p>
               <a:p>
-                <a:pPr>
+                <a:pPr marL="457200" indent="-457200">
                   <a:buClr>
                     <a:schemeClr val="tx1"/>
                   </a:buClr>
+                  <a:buFont typeface="Arial" panose="020B0604020202020204" pitchFamily="34" charset="0"/>
+                  <a:buChar char="•"/>
                 </a:pPr>
                 <a:r>
                   <a:rPr lang="en-US" sz="3000" dirty="0">
@@ -3814,10 +3846,12 @@
                 </a:endParaRPr>
               </a:p>
               <a:p>
-                <a:pPr>
+                <a:pPr marL="457200" indent="-457200">
                   <a:buClr>
                     <a:schemeClr val="tx1"/>
                   </a:buClr>
+                  <a:buFont typeface="Arial" panose="020B0604020202020204" pitchFamily="34" charset="0"/>
+                  <a:buChar char="•"/>
                 </a:pPr>
                 <a:r>
                   <a:rPr lang="en-US" sz="3000" dirty="0">
@@ -3840,7 +3874,7 @@
             </p:txBody>
           </p:sp>
         </mc:Choice>
-        <mc:Fallback xmlns="">
+        <mc:Fallback>
           <p:sp>
             <p:nvSpPr>
               <p:cNvPr id="6" name="TextBox 5">
@@ -3857,8 +3891,8 @@
             </p:nvSpPr>
             <p:spPr>
               <a:xfrm>
-                <a:off x="960120" y="12432180"/>
-                <a:ext cx="9064534" cy="4865499"/>
+                <a:off x="706120" y="16846466"/>
+                <a:ext cx="10404754" cy="4865499"/>
               </a:xfrm>
               <a:prstGeom prst="rect">
                 <a:avLst/>
@@ -3866,7 +3900,7 @@
               <a:blipFill>
                 <a:blip r:embed="rId6"/>
                 <a:stretch>
-                  <a:fillRect l="-1615" t="-1502" b="-2879"/>
+                  <a:fillRect l="-1230" t="-1504" b="-3008"/>
                 </a:stretch>
               </a:blipFill>
               <a:ln w="12700" cap="flat">
@@ -3890,8 +3924,8 @@
           </p:sp>
         </mc:Fallback>
       </mc:AlternateContent>
-      <mc:AlternateContent xmlns:mc="http://schemas.openxmlformats.org/markup-compatibility/2006" xmlns:a14="http://schemas.microsoft.com/office/drawing/2010/main">
-        <mc:Choice Requires="a14">
+      <mc:AlternateContent xmlns:mc="http://schemas.openxmlformats.org/markup-compatibility/2006">
+        <mc:Choice xmlns:a14="http://schemas.microsoft.com/office/drawing/2010/main" Requires="a14">
           <p:sp>
             <p:nvSpPr>
               <p:cNvPr id="7" name="Rectangle 6">
@@ -3906,8 +3940,8 @@
             </p:nvSpPr>
             <p:spPr>
               <a:xfrm>
-                <a:off x="1543904" y="13983575"/>
-                <a:ext cx="6253315" cy="1219693"/>
+                <a:off x="1289904" y="18397861"/>
+                <a:ext cx="7177887" cy="1219693"/>
               </a:xfrm>
               <a:prstGeom prst="rect">
                 <a:avLst/>
@@ -4164,7 +4198,7 @@
             </p:txBody>
           </p:sp>
         </mc:Choice>
-        <mc:Fallback xmlns="">
+        <mc:Fallback>
           <p:sp>
             <p:nvSpPr>
               <p:cNvPr id="7" name="Rectangle 6">
@@ -4181,8 +4215,8 @@
             </p:nvSpPr>
             <p:spPr>
               <a:xfrm>
-                <a:off x="1543904" y="13983575"/>
-                <a:ext cx="6253315" cy="1219693"/>
+                <a:off x="1289904" y="18397861"/>
+                <a:ext cx="7177887" cy="1219693"/>
               </a:xfrm>
               <a:prstGeom prst="rect">
                 <a:avLst/>
@@ -4223,7 +4257,7 @@
         </p:nvSpPr>
         <p:spPr>
           <a:xfrm>
-            <a:off x="986246" y="17672003"/>
+            <a:off x="11163074" y="3810476"/>
             <a:ext cx="9064534" cy="646331"/>
           </a:xfrm>
           <a:prstGeom prst="rect">
@@ -4234,7 +4268,7 @@
           </a:ln>
           <a:extLst>
             <a:ext uri="{C572A759-6A51-4108-AA02-DFA0A04FC94B}">
-              <ma14:wrappingTextBoxFlag xmlns:ma14="http://schemas.microsoft.com/office/mac/drawingml/2011/main" xmlns:a14="http://schemas.microsoft.com/office/drawing/2010/main" xmlns:m="http://schemas.openxmlformats.org/officeDocument/2006/math" xmlns="" val="1"/>
+              <ma14:wrappingTextBoxFlag xmlns="" xmlns:m="http://schemas.openxmlformats.org/officeDocument/2006/math" xmlns:a14="http://schemas.microsoft.com/office/drawing/2010/main" xmlns:ma14="http://schemas.microsoft.com/office/mac/drawingml/2011/main" val="1"/>
             </a:ext>
           </a:extLst>
         </p:spPr>
@@ -4263,8 +4297,8 @@
           </a:p>
         </p:txBody>
       </p:sp>
-      <mc:AlternateContent xmlns:mc="http://schemas.openxmlformats.org/markup-compatibility/2006" xmlns:a14="http://schemas.microsoft.com/office/drawing/2010/main">
-        <mc:Choice Requires="a14">
+      <mc:AlternateContent xmlns:mc="http://schemas.openxmlformats.org/markup-compatibility/2006">
+        <mc:Choice xmlns:a14="http://schemas.microsoft.com/office/drawing/2010/main" Requires="a14">
           <p:sp>
             <p:nvSpPr>
               <p:cNvPr id="13" name="TextBox 12">
@@ -4279,7 +4313,7 @@
             </p:nvSpPr>
             <p:spPr>
               <a:xfrm>
-                <a:off x="10983362" y="4188670"/>
+                <a:off x="10938618" y="10004378"/>
                 <a:ext cx="11041163" cy="6153416"/>
               </a:xfrm>
               <a:prstGeom prst="rect">
@@ -4311,10 +4345,12 @@
               </a:bodyPr>
               <a:lstStyle/>
               <a:p>
-                <a:pPr>
+                <a:pPr marL="457200" indent="-457200">
                   <a:buClr>
                     <a:schemeClr val="tx1"/>
                   </a:buClr>
+                  <a:buFont typeface="Arial" panose="020B0604020202020204" pitchFamily="34" charset="0"/>
+                  <a:buChar char="•"/>
                 </a:pPr>
                 <a:r>
                   <a:rPr lang="en-US" sz="3000" dirty="0">
@@ -4678,10 +4714,12 @@
                 </a:endParaRPr>
               </a:p>
               <a:p>
-                <a:pPr>
+                <a:pPr marL="457200" indent="-457200">
                   <a:buClr>
                     <a:schemeClr val="tx1"/>
                   </a:buClr>
+                  <a:buFont typeface="Arial" panose="020B0604020202020204" pitchFamily="34" charset="0"/>
+                  <a:buChar char="•"/>
                 </a:pPr>
                 <a:endParaRPr lang="en-US" sz="3000" dirty="0">
                   <a:latin typeface="Calibri" panose="020F0502020204030204" pitchFamily="34" charset="0"/>
@@ -4689,10 +4727,12 @@
                 </a:endParaRPr>
               </a:p>
               <a:p>
-                <a:pPr>
+                <a:pPr marL="457200" indent="-457200">
                   <a:buClr>
                     <a:schemeClr val="tx1"/>
                   </a:buClr>
+                  <a:buFont typeface="Arial" panose="020B0604020202020204" pitchFamily="34" charset="0"/>
+                  <a:buChar char="•"/>
                 </a:pPr>
                 <a:r>
                   <a:rPr lang="en-US" sz="3000" dirty="0">
@@ -4757,10 +4797,12 @@
                 </a:endParaRPr>
               </a:p>
               <a:p>
-                <a:pPr>
+                <a:pPr marL="457200" indent="-457200">
                   <a:buClr>
                     <a:schemeClr val="tx1"/>
                   </a:buClr>
+                  <a:buFont typeface="Arial" panose="020B0604020202020204" pitchFamily="34" charset="0"/>
+                  <a:buChar char="•"/>
                 </a:pPr>
                 <a:endParaRPr lang="en-US" sz="3000" dirty="0">
                   <a:latin typeface="Calibri" panose="020F0502020204030204" pitchFamily="34" charset="0"/>
@@ -4768,10 +4810,12 @@
                 </a:endParaRPr>
               </a:p>
               <a:p>
-                <a:pPr>
+                <a:pPr marL="457200" indent="-457200">
                   <a:buClr>
                     <a:schemeClr val="tx1"/>
                   </a:buClr>
+                  <a:buFont typeface="Arial" panose="020B0604020202020204" pitchFamily="34" charset="0"/>
+                  <a:buChar char="•"/>
                 </a:pPr>
                 <a:r>
                   <a:rPr lang="en-US" sz="3000" dirty="0">
@@ -4838,10 +4882,12 @@
                 </a:endParaRPr>
               </a:p>
               <a:p>
-                <a:pPr>
+                <a:pPr marL="457200" indent="-457200">
                   <a:buClr>
                     <a:schemeClr val="tx1"/>
                   </a:buClr>
+                  <a:buFont typeface="Arial" panose="020B0604020202020204" pitchFamily="34" charset="0"/>
+                  <a:buChar char="•"/>
                 </a:pPr>
                 <a:endParaRPr lang="en-US" sz="3000" dirty="0">
                   <a:latin typeface="Calibri" panose="020F0502020204030204" pitchFamily="34" charset="0"/>
@@ -4849,10 +4895,12 @@
                 </a:endParaRPr>
               </a:p>
               <a:p>
-                <a:pPr>
+                <a:pPr marL="457200" indent="-457200">
                   <a:buClr>
                     <a:schemeClr val="tx1"/>
                   </a:buClr>
+                  <a:buFont typeface="Arial" panose="020B0604020202020204" pitchFamily="34" charset="0"/>
+                  <a:buChar char="•"/>
                 </a:pPr>
                 <a14:m>
                   <m:oMath xmlns:m="http://schemas.openxmlformats.org/officeDocument/2006/math">
@@ -5059,10 +5107,12 @@
                 </a:r>
               </a:p>
               <a:p>
-                <a:pPr>
+                <a:pPr marL="457200" indent="-457200">
                   <a:buClr>
                     <a:schemeClr val="tx1"/>
                   </a:buClr>
+                  <a:buFont typeface="Arial" panose="020B0604020202020204" pitchFamily="34" charset="0"/>
+                  <a:buChar char="•"/>
                 </a:pPr>
                 <a:endParaRPr lang="en-US" sz="3000" dirty="0">
                   <a:latin typeface="Calibri" panose="020F0502020204030204" pitchFamily="34" charset="0"/>
@@ -5070,10 +5120,12 @@
                 </a:endParaRPr>
               </a:p>
               <a:p>
-                <a:pPr>
+                <a:pPr marL="457200" indent="-457200">
                   <a:buClr>
                     <a:schemeClr val="tx1"/>
                   </a:buClr>
+                  <a:buFont typeface="Arial" panose="020B0604020202020204" pitchFamily="34" charset="0"/>
+                  <a:buChar char="•"/>
                 </a:pPr>
                 <a:r>
                   <a:rPr lang="en-US" sz="3000" dirty="0">
@@ -5101,10 +5153,12 @@
                 </a:endParaRPr>
               </a:p>
               <a:p>
-                <a:pPr>
+                <a:pPr marL="457200" indent="-457200">
                   <a:buClr>
                     <a:schemeClr val="tx1"/>
                   </a:buClr>
+                  <a:buFont typeface="Arial" panose="020B0604020202020204" pitchFamily="34" charset="0"/>
+                  <a:buChar char="•"/>
                 </a:pPr>
                 <a:endParaRPr lang="en-US" sz="3000" dirty="0">
                   <a:latin typeface="Calibri" panose="020F0502020204030204" pitchFamily="34" charset="0"/>
@@ -5114,7 +5168,7 @@
             </p:txBody>
           </p:sp>
         </mc:Choice>
-        <mc:Fallback xmlns="">
+        <mc:Fallback>
           <p:sp>
             <p:nvSpPr>
               <p:cNvPr id="13" name="TextBox 12">
@@ -5131,7 +5185,7 @@
             </p:nvSpPr>
             <p:spPr>
               <a:xfrm>
-                <a:off x="10983362" y="4188670"/>
+                <a:off x="10938618" y="10004378"/>
                 <a:ext cx="11041163" cy="6153416"/>
               </a:xfrm>
               <a:prstGeom prst="rect">
@@ -5140,7 +5194,7 @@
               <a:blipFill>
                 <a:blip r:embed="rId8"/>
                 <a:stretch>
-                  <a:fillRect l="-1325" t="-1188"/>
+                  <a:fillRect l="-1104" t="-1188"/>
                 </a:stretch>
               </a:blipFill>
               <a:ln w="12700" cap="flat">
@@ -5178,7 +5232,7 @@
         </p:nvSpPr>
         <p:spPr>
           <a:xfrm>
-            <a:off x="11037572" y="9940756"/>
+            <a:off x="11009437" y="15805678"/>
             <a:ext cx="9064533" cy="646331"/>
           </a:xfrm>
           <a:prstGeom prst="rect">
@@ -5189,7 +5243,7 @@
           </a:ln>
           <a:extLst>
             <a:ext uri="{C572A759-6A51-4108-AA02-DFA0A04FC94B}">
-              <ma14:wrappingTextBoxFlag xmlns:ma14="http://schemas.microsoft.com/office/mac/drawingml/2011/main" xmlns:a14="http://schemas.microsoft.com/office/drawing/2010/main" xmlns:m="http://schemas.openxmlformats.org/officeDocument/2006/math" xmlns="" val="1"/>
+              <ma14:wrappingTextBoxFlag xmlns="" xmlns:m="http://schemas.openxmlformats.org/officeDocument/2006/math" xmlns:a14="http://schemas.microsoft.com/office/drawing/2010/main" xmlns:ma14="http://schemas.microsoft.com/office/mac/drawingml/2011/main" val="1"/>
             </a:ext>
           </a:extLst>
         </p:spPr>
@@ -5221,8 +5275,8 @@
           </a:p>
         </p:txBody>
       </p:sp>
-      <mc:AlternateContent xmlns:mc="http://schemas.openxmlformats.org/markup-compatibility/2006" xmlns:a14="http://schemas.microsoft.com/office/drawing/2010/main">
-        <mc:Choice Requires="a14">
+      <mc:AlternateContent xmlns:mc="http://schemas.openxmlformats.org/markup-compatibility/2006">
+        <mc:Choice xmlns:a14="http://schemas.microsoft.com/office/drawing/2010/main" Requires="a14">
           <p:sp>
             <p:nvSpPr>
               <p:cNvPr id="16" name="TextBox 15">
@@ -5237,8 +5291,8 @@
             </p:nvSpPr>
             <p:spPr>
               <a:xfrm>
-                <a:off x="11078575" y="10929417"/>
-                <a:ext cx="10945950" cy="4247317"/>
+                <a:off x="10982655" y="16466366"/>
+                <a:ext cx="9853992" cy="3785652"/>
               </a:xfrm>
               <a:prstGeom prst="rect">
                 <a:avLst/>
@@ -5269,10 +5323,12 @@
               </a:bodyPr>
               <a:lstStyle/>
               <a:p>
-                <a:pPr>
+                <a:pPr marL="457200" indent="-457200">
                   <a:buClr>
                     <a:schemeClr val="tx1"/>
                   </a:buClr>
+                  <a:buFont typeface="Arial" panose="020B0604020202020204" pitchFamily="34" charset="0"/>
+                  <a:buChar char="•"/>
                 </a:pPr>
                 <a:r>
                   <a:rPr lang="en-US" sz="3000" dirty="0">
@@ -5332,50 +5388,63 @@
                     <a:latin typeface="Calibri" panose="020F0502020204030204" pitchFamily="34" charset="0"/>
                     <a:cs typeface="Calibri" panose="020F0502020204030204" pitchFamily="34" charset="0"/>
                   </a:rPr>
-                  <a:t>-multiplicative factor a lot, but only if the value of the function is SMALL</a:t>
-                </a:r>
-              </a:p>
-              <a:p>
-                <a:pPr>
-                  <a:buClr>
-                    <a:schemeClr val="tx1"/>
-                  </a:buClr>
-                </a:pPr>
+                  <a:t>-multiplicative factor a lot, but only if the value of the function is </a:t>
+                </a:r>
+                <a:r>
+                  <a:rPr lang="en-US" sz="3000" dirty="0">
+                    <a:solidFill>
+                      <a:srgbClr val="FF0000"/>
+                    </a:solidFill>
+                    <a:latin typeface="Calibri" panose="020F0502020204030204" pitchFamily="34" charset="0"/>
+                    <a:cs typeface="Calibri" panose="020F0502020204030204" pitchFamily="34" charset="0"/>
+                  </a:rPr>
+                  <a:t>SMALL</a:t>
+                </a:r>
                 <a:endParaRPr lang="en-US" sz="3000" dirty="0">
                   <a:latin typeface="Calibri" panose="020F0502020204030204" pitchFamily="34" charset="0"/>
                   <a:cs typeface="Calibri" panose="020F0502020204030204" pitchFamily="34" charset="0"/>
                 </a:endParaRPr>
               </a:p>
               <a:p>
-                <a:pPr>
+                <a:pPr marL="457200" indent="-457200">
                   <a:buClr>
                     <a:schemeClr val="tx1"/>
                   </a:buClr>
+                  <a:buFont typeface="Arial" panose="020B0604020202020204" pitchFamily="34" charset="0"/>
+                  <a:buChar char="•"/>
                 </a:pPr>
                 <a:r>
                   <a:rPr lang="en-US" sz="3000" dirty="0">
                     <a:latin typeface="Calibri" panose="020F0502020204030204" pitchFamily="34" charset="0"/>
                     <a:cs typeface="Calibri" panose="020F0502020204030204" pitchFamily="34" charset="0"/>
                   </a:rPr>
-                  <a:t>If the function has SMALL value, it must be somewhat sparse, can use sparse recovery to identify the frequency vector</a:t>
+                  <a:t>If the function has </a:t>
+                </a:r>
+                <a:r>
+                  <a:rPr lang="en-US" sz="3000" dirty="0">
+                    <a:solidFill>
+                      <a:srgbClr val="FF0000"/>
+                    </a:solidFill>
+                    <a:latin typeface="Calibri" panose="020F0502020204030204" pitchFamily="34" charset="0"/>
+                    <a:cs typeface="Calibri" panose="020F0502020204030204" pitchFamily="34" charset="0"/>
+                  </a:rPr>
+                  <a:t>SMALL</a:t>
+                </a:r>
+                <a:r>
+                  <a:rPr lang="en-US" sz="3000" dirty="0">
+                    <a:latin typeface="Calibri" panose="020F0502020204030204" pitchFamily="34" charset="0"/>
+                    <a:cs typeface="Calibri" panose="020F0502020204030204" pitchFamily="34" charset="0"/>
+                  </a:rPr>
+                  <a:t> value, it must be somewhat sparse, can use sparse recovery to identify the frequency vector</a:t>
                 </a:r>
               </a:p>
               <a:p>
-                <a:pPr>
+                <a:pPr marL="457200" indent="-457200">
                   <a:buClr>
                     <a:schemeClr val="tx1"/>
                   </a:buClr>
-                </a:pPr>
-                <a:endParaRPr lang="en-US" sz="3000" dirty="0">
-                  <a:latin typeface="Calibri" panose="020F0502020204030204" pitchFamily="34" charset="0"/>
-                  <a:cs typeface="Calibri" panose="020F0502020204030204" pitchFamily="34" charset="0"/>
-                </a:endParaRPr>
-              </a:p>
-              <a:p>
-                <a:pPr>
-                  <a:buClr>
-                    <a:schemeClr val="tx1"/>
-                  </a:buClr>
+                  <a:buFont typeface="Arial" panose="020B0604020202020204" pitchFamily="34" charset="0"/>
+                  <a:buChar char="•"/>
                 </a:pPr>
                 <a:r>
                   <a:rPr lang="en-US" sz="3000" dirty="0">
@@ -5431,7 +5500,7 @@
             </p:txBody>
           </p:sp>
         </mc:Choice>
-        <mc:Fallback xmlns="">
+        <mc:Fallback>
           <p:sp>
             <p:nvSpPr>
               <p:cNvPr id="16" name="TextBox 15">
@@ -5448,8 +5517,8 @@
             </p:nvSpPr>
             <p:spPr>
               <a:xfrm>
-                <a:off x="11078575" y="10929417"/>
-                <a:ext cx="10945950" cy="4247317"/>
+                <a:off x="10982655" y="16466366"/>
+                <a:ext cx="9853992" cy="3785652"/>
               </a:xfrm>
               <a:prstGeom prst="rect">
                 <a:avLst/>
@@ -5457,7 +5526,7 @@
               <a:blipFill>
                 <a:blip r:embed="rId9"/>
                 <a:stretch>
-                  <a:fillRect l="-1281" t="-1722" r="-1893" b="-3587"/>
+                  <a:fillRect l="-1300" t="-1932" r="-2104" b="-4187"/>
                 </a:stretch>
               </a:blipFill>
               <a:ln w="12700" cap="flat">
@@ -5481,8 +5550,8 @@
           </p:sp>
         </mc:Fallback>
       </mc:AlternateContent>
-      <mc:AlternateContent xmlns:mc="http://schemas.openxmlformats.org/markup-compatibility/2006" xmlns:a14="http://schemas.microsoft.com/office/drawing/2010/main">
-        <mc:Choice Requires="a14">
+      <mc:AlternateContent xmlns:mc="http://schemas.openxmlformats.org/markup-compatibility/2006">
+        <mc:Choice xmlns:a14="http://schemas.microsoft.com/office/drawing/2010/main" Requires="a14">
           <p:sp>
             <p:nvSpPr>
               <p:cNvPr id="18" name="TextBox 17">
@@ -5497,8 +5566,8 @@
             </p:nvSpPr>
             <p:spPr>
               <a:xfrm>
-                <a:off x="11083837" y="16074908"/>
-                <a:ext cx="11293563" cy="3986091"/>
+                <a:off x="21996390" y="3510110"/>
+                <a:ext cx="10639874" cy="6163226"/>
               </a:xfrm>
               <a:prstGeom prst="rect">
                 <a:avLst/>
@@ -5529,10 +5598,12 @@
               </a:bodyPr>
               <a:lstStyle/>
               <a:p>
-                <a:pPr>
+                <a:pPr marL="457200" indent="-457200">
                   <a:buClr>
                     <a:schemeClr val="tx1"/>
                   </a:buClr>
+                  <a:buFont typeface="Arial" panose="020B0604020202020204" pitchFamily="34" charset="0"/>
+                  <a:buChar char="•"/>
                 </a:pPr>
                 <a:r>
                   <a:rPr lang="en-US" sz="2800" dirty="0">
@@ -5879,21 +5950,12 @@
                 </a:r>
               </a:p>
               <a:p>
-                <a:pPr>
+                <a:pPr marL="457200" indent="-457200">
                   <a:buClr>
                     <a:schemeClr val="tx1"/>
                   </a:buClr>
-                </a:pPr>
-                <a:endParaRPr lang="en-US" sz="2800" dirty="0">
-                  <a:latin typeface="Calibri" panose="020F0502020204030204" pitchFamily="34" charset="0"/>
-                  <a:cs typeface="Calibri" panose="020F0502020204030204" pitchFamily="34" charset="0"/>
-                </a:endParaRPr>
-              </a:p>
-              <a:p>
-                <a:pPr>
-                  <a:buClr>
-                    <a:schemeClr val="tx1"/>
-                  </a:buClr>
+                  <a:buFont typeface="Arial" panose="020B0604020202020204" pitchFamily="34" charset="0"/>
+                  <a:buChar char="•"/>
                 </a:pPr>
                 <a:r>
                   <a:rPr lang="en-US" sz="2800" dirty="0">
@@ -6255,10 +6317,52 @@
                   <a:t> bits of space</a:t>
                 </a:r>
               </a:p>
+              <a:p>
+                <a:pPr marL="457200" indent="-457200">
+                  <a:buClr>
+                    <a:schemeClr val="tx1"/>
+                  </a:buClr>
+                  <a:buFont typeface="Arial" panose="020B0604020202020204" pitchFamily="34" charset="0"/>
+                  <a:buChar char="•"/>
+                </a:pPr>
+                <a:r>
+                  <a:rPr lang="en-US" sz="2800" dirty="0">
+                    <a:latin typeface="Calibri" panose="020F0502020204030204" pitchFamily="34" charset="0"/>
+                    <a:cs typeface="Calibri" panose="020F0502020204030204" pitchFamily="34" charset="0"/>
+                  </a:rPr>
+                  <a:t>Streaming algorithm for estimating the frequency moment of the tail vector, which achieves additive error and uses space independent in the size of the tail</a:t>
+                </a:r>
+              </a:p>
+              <a:p>
+                <a:pPr marL="457200" indent="-457200">
+                  <a:buClr>
+                    <a:schemeClr val="tx1"/>
+                  </a:buClr>
+                  <a:buFont typeface="Arial" panose="020B0604020202020204" pitchFamily="34" charset="0"/>
+                  <a:buChar char="•"/>
+                </a:pPr>
+                <a:endParaRPr lang="en-US" sz="2800" dirty="0">
+                  <a:latin typeface="Calibri" panose="020F0502020204030204" pitchFamily="34" charset="0"/>
+                  <a:cs typeface="Calibri" panose="020F0502020204030204" pitchFamily="34" charset="0"/>
+                </a:endParaRPr>
+              </a:p>
+              <a:p>
+                <a:pPr marL="457200" indent="-457200">
+                  <a:buClr>
+                    <a:schemeClr val="tx1"/>
+                  </a:buClr>
+                  <a:buFont typeface="Arial" panose="020B0604020202020204" pitchFamily="34" charset="0"/>
+                  <a:buChar char="•"/>
+                </a:pPr>
+                <a:endParaRPr lang="en-US" sz="2800" dirty="0">
+                  <a:latin typeface="Calibri" panose="020F0502020204030204" pitchFamily="34" charset="0"/>
+                  <a:cs typeface="Calibri" panose="020F0502020204030204" pitchFamily="34" charset="0"/>
+                </a:endParaRPr>
+              </a:p>
             </p:txBody>
           </p:sp>
         </mc:Choice>
-        <mc:Fallback xmlns="">
+        <mc:Fallback>
           <p:sp>
             <p:nvSpPr>
               <p:cNvPr id="18" name="TextBox 17">
@@ -6275,8 +6379,8 @@
             </p:nvSpPr>
             <p:spPr>
               <a:xfrm>
-                <a:off x="11083837" y="16074908"/>
-                <a:ext cx="11293563" cy="3986091"/>
+                <a:off x="21996390" y="3510110"/>
+                <a:ext cx="10639874" cy="6163226"/>
               </a:xfrm>
               <a:prstGeom prst="rect">
                 <a:avLst/>
@@ -6284,7 +6388,7 @@
               <a:blipFill>
                 <a:blip r:embed="rId10"/>
                 <a:stretch>
-                  <a:fillRect l="-1079" t="-1529" r="-863" b="-3517"/>
+                  <a:fillRect l="-1031" t="-989" r="-1489"/>
                 </a:stretch>
               </a:blipFill>
               <a:ln w="12700" cap="flat">
@@ -6322,8 +6426,8 @@
         </p:nvSpPr>
         <p:spPr>
           <a:xfrm>
-            <a:off x="11083836" y="15117734"/>
-            <a:ext cx="9064533" cy="646331"/>
+            <a:off x="22069891" y="2798362"/>
+            <a:ext cx="8539864" cy="646331"/>
           </a:xfrm>
           <a:prstGeom prst="rect">
             <a:avLst/>
@@ -6333,12 +6437,12 @@
           </a:ln>
           <a:extLst>
             <a:ext uri="{C572A759-6A51-4108-AA02-DFA0A04FC94B}">
-              <ma14:wrappingTextBoxFlag xmlns:ma14="http://schemas.microsoft.com/office/mac/drawingml/2011/main" xmlns:a14="http://schemas.microsoft.com/office/drawing/2010/main" xmlns:m="http://schemas.openxmlformats.org/officeDocument/2006/math" xmlns="" val="1"/>
+              <ma14:wrappingTextBoxFlag xmlns="" xmlns:m="http://schemas.openxmlformats.org/officeDocument/2006/math" xmlns:a14="http://schemas.microsoft.com/office/drawing/2010/main" xmlns:ma14="http://schemas.microsoft.com/office/mac/drawingml/2011/main" val="1"/>
             </a:ext>
           </a:extLst>
         </p:spPr>
         <p:txBody>
-          <a:bodyPr lIns="45719" rIns="45719">
+          <a:bodyPr wrap="square" lIns="45719" rIns="45719">
             <a:spAutoFit/>
           </a:bodyPr>
           <a:lstStyle>
@@ -6387,8 +6491,8 @@
         </p:blipFill>
         <p:spPr>
           <a:xfrm>
-            <a:off x="1025454" y="18013281"/>
-            <a:ext cx="9918700" cy="3592814"/>
+            <a:off x="10424345" y="4478880"/>
+            <a:ext cx="11572045" cy="4191699"/>
           </a:xfrm>
           <a:prstGeom prst="rect">
             <a:avLst/>
@@ -6409,7 +6513,7 @@
         </p:nvSpPr>
         <p:spPr>
           <a:xfrm>
-            <a:off x="986246" y="17276206"/>
+            <a:off x="11163074" y="3414679"/>
             <a:ext cx="9064534" cy="646331"/>
           </a:xfrm>
           <a:prstGeom prst="rect">
@@ -6420,7 +6524,7 @@
           </a:ln>
           <a:extLst>
             <a:ext uri="{C572A759-6A51-4108-AA02-DFA0A04FC94B}">
-              <ma14:wrappingTextBoxFlag xmlns:ma14="http://schemas.microsoft.com/office/mac/drawingml/2011/main" xmlns:a14="http://schemas.microsoft.com/office/drawing/2010/main" xmlns:m="http://schemas.openxmlformats.org/officeDocument/2006/math" xmlns="" val="1"/>
+              <ma14:wrappingTextBoxFlag xmlns="" xmlns:m="http://schemas.openxmlformats.org/officeDocument/2006/math" xmlns:a14="http://schemas.microsoft.com/office/drawing/2010/main" xmlns:ma14="http://schemas.microsoft.com/office/mac/drawingml/2011/main" val="1"/>
             </a:ext>
           </a:extLst>
         </p:spPr>
@@ -6466,7 +6570,7 @@
         </p:nvSpPr>
         <p:spPr>
           <a:xfrm>
-            <a:off x="7474677" y="17297679"/>
+            <a:off x="17651505" y="3436152"/>
             <a:ext cx="2209802" cy="646331"/>
           </a:xfrm>
           <a:prstGeom prst="rect">
@@ -6526,7 +6630,7 @@
         </p:nvSpPr>
         <p:spPr>
           <a:xfrm>
-            <a:off x="5476402" y="17297679"/>
+            <a:off x="15653230" y="3436152"/>
             <a:ext cx="2209802" cy="646331"/>
           </a:xfrm>
           <a:prstGeom prst="rect">
@@ -6586,7 +6690,7 @@
         </p:nvSpPr>
         <p:spPr>
           <a:xfrm>
-            <a:off x="9516094" y="17296496"/>
+            <a:off x="19692922" y="3434969"/>
             <a:ext cx="2209802" cy="646331"/>
           </a:xfrm>
           <a:prstGeom prst="rect">
@@ -6646,7 +6750,7 @@
         </p:nvSpPr>
         <p:spPr>
           <a:xfrm>
-            <a:off x="22377400" y="3472899"/>
+            <a:off x="21996390" y="8893968"/>
             <a:ext cx="9064533" cy="646331"/>
           </a:xfrm>
           <a:prstGeom prst="rect">
@@ -6657,7 +6761,7 @@
           </a:ln>
           <a:extLst>
             <a:ext uri="{C572A759-6A51-4108-AA02-DFA0A04FC94B}">
-              <ma14:wrappingTextBoxFlag xmlns:ma14="http://schemas.microsoft.com/office/mac/drawingml/2011/main" xmlns:a14="http://schemas.microsoft.com/office/drawing/2010/main" xmlns:m="http://schemas.openxmlformats.org/officeDocument/2006/math" xmlns="" val="1"/>
+              <ma14:wrappingTextBoxFlag xmlns="" xmlns:m="http://schemas.openxmlformats.org/officeDocument/2006/math" xmlns:a14="http://schemas.microsoft.com/office/drawing/2010/main" xmlns:ma14="http://schemas.microsoft.com/office/mac/drawingml/2011/main" val="1"/>
             </a:ext>
           </a:extLst>
         </p:spPr>
@@ -6689,8 +6793,8 @@
           </a:p>
         </p:txBody>
       </p:sp>
-      <mc:AlternateContent xmlns:mc="http://schemas.openxmlformats.org/markup-compatibility/2006" xmlns:a14="http://schemas.microsoft.com/office/drawing/2010/main">
-        <mc:Choice Requires="a14">
+      <mc:AlternateContent xmlns:mc="http://schemas.openxmlformats.org/markup-compatibility/2006">
+        <mc:Choice xmlns:a14="http://schemas.microsoft.com/office/drawing/2010/main" Requires="a14">
           <p:sp>
             <p:nvSpPr>
               <p:cNvPr id="61" name="TextBox 60">
@@ -6705,8 +6809,8 @@
             </p:nvSpPr>
             <p:spPr>
               <a:xfrm>
-                <a:off x="22377400" y="4338530"/>
-                <a:ext cx="10287000" cy="2275879"/>
+                <a:off x="21842753" y="9516680"/>
+                <a:ext cx="10639873" cy="5245988"/>
               </a:xfrm>
               <a:prstGeom prst="rect">
                 <a:avLst/>
@@ -6737,24 +6841,149 @@
               </a:bodyPr>
               <a:lstStyle/>
               <a:p>
-                <a:pPr>
+                <a:pPr marL="457200" indent="-457200">
+                  <a:spcBef>
+                    <a:spcPts val="600"/>
+                  </a:spcBef>
                   <a:buClr>
                     <a:schemeClr val="tx1"/>
                   </a:buClr>
+                  <a:buFont typeface="Arial" panose="020B0604020202020204" pitchFamily="34" charset="0"/>
+                  <a:buChar char="•"/>
                 </a:pPr>
                 <a:r>
                   <a:rPr lang="en-US" sz="3000" dirty="0">
-                    <a:latin typeface="Calibri" panose="020F0502020204030204" pitchFamily="34" charset="0"/>
-                    <a:cs typeface="Calibri" panose="020F0502020204030204" pitchFamily="34" charset="0"/>
-                  </a:rPr>
-                  <a:t>Deterministic heavy-hitter algorithm for turnstile streams that uses</a:t>
-                </a:r>
-                <a:r>
-                  <a:rPr lang="en-US" sz="3200" dirty="0">
-                    <a:latin typeface="Calibri" panose="020F0502020204030204" pitchFamily="34" charset="0"/>
-                    <a:cs typeface="Calibri" panose="020F0502020204030204" pitchFamily="34" charset="0"/>
-                  </a:rPr>
-                  <a:t> </a:t>
+                    <a:solidFill>
+                      <a:srgbClr val="00B050"/>
+                    </a:solidFill>
+                    <a:latin typeface="Calibri" panose="020F0502020204030204" pitchFamily="34" charset="0"/>
+                    <a:cs typeface="Calibri" panose="020F0502020204030204" pitchFamily="34" charset="0"/>
+                  </a:rPr>
+                  <a:t>Observation</a:t>
+                </a:r>
+                <a:r>
+                  <a:rPr lang="en-US" sz="3000" dirty="0">
+                    <a:latin typeface="Calibri" panose="020F0502020204030204" pitchFamily="34" charset="0"/>
+                    <a:cs typeface="Calibri" panose="020F0502020204030204" pitchFamily="34" charset="0"/>
+                  </a:rPr>
+                  <a:t>: if the function has </a:t>
+                </a:r>
+                <a:r>
+                  <a:rPr lang="en-US" sz="3000" dirty="0">
+                    <a:solidFill>
+                      <a:srgbClr val="FF0000"/>
+                    </a:solidFill>
+                    <a:latin typeface="Calibri" panose="020F0502020204030204" pitchFamily="34" charset="0"/>
+                    <a:cs typeface="Calibri" panose="020F0502020204030204" pitchFamily="34" charset="0"/>
+                  </a:rPr>
+                  <a:t>LARGE</a:t>
+                </a:r>
+                <a:r>
+                  <a:rPr lang="en-US" sz="3000" dirty="0">
+                    <a:latin typeface="Calibri" panose="020F0502020204030204" pitchFamily="34" charset="0"/>
+                    <a:cs typeface="Calibri" panose="020F0502020204030204" pitchFamily="34" charset="0"/>
+                  </a:rPr>
+                  <a:t> value, it takes more updates to change the value of the function by </a:t>
+                </a:r>
+                <a14:m>
+                  <m:oMath xmlns:m="http://schemas.openxmlformats.org/officeDocument/2006/math">
+                    <m:d>
+                      <m:dPr>
+                        <m:ctrlPr>
+                          <a:rPr lang="en-US" sz="3000" b="0" i="1" smtClean="0">
+                            <a:solidFill>
+                              <a:srgbClr val="C00000"/>
+                            </a:solidFill>
+                            <a:latin typeface="Cambria Math" panose="02040503050406030204" pitchFamily="18" charset="0"/>
+                          </a:rPr>
+                        </m:ctrlPr>
+                      </m:dPr>
+                      <m:e>
+                        <m:r>
+                          <a:rPr lang="en-US" sz="3000" b="0" i="1" smtClean="0">
+                            <a:solidFill>
+                              <a:srgbClr val="C00000"/>
+                            </a:solidFill>
+                            <a:latin typeface="Cambria Math" panose="02040503050406030204" pitchFamily="18" charset="0"/>
+                          </a:rPr>
+                          <m:t>1+</m:t>
+                        </m:r>
+                        <m:r>
+                          <a:rPr lang="en-US" sz="3000" b="0" i="1" smtClean="0">
+                            <a:solidFill>
+                              <a:srgbClr val="C00000"/>
+                            </a:solidFill>
+                            <a:latin typeface="Cambria Math" panose="02040503050406030204" pitchFamily="18" charset="0"/>
+                          </a:rPr>
+                          <m:t>𝜀</m:t>
+                        </m:r>
+                      </m:e>
+                    </m:d>
+                  </m:oMath>
+                </a14:m>
+                <a:r>
+                  <a:rPr lang="en-US" sz="3000" dirty="0">
+                    <a:latin typeface="Calibri" panose="020F0502020204030204" pitchFamily="34" charset="0"/>
+                    <a:cs typeface="Calibri" panose="020F0502020204030204" pitchFamily="34" charset="0"/>
+                  </a:rPr>
+                  <a:t>-multiplicative factor if the updates are to different coordinates</a:t>
+                </a:r>
+              </a:p>
+              <a:p>
+                <a:pPr marL="457200" indent="-457200">
+                  <a:spcBef>
+                    <a:spcPts val="600"/>
+                  </a:spcBef>
+                  <a:buClr>
+                    <a:schemeClr val="tx1"/>
+                  </a:buClr>
+                  <a:buFont typeface="Arial" panose="020B0604020202020204" pitchFamily="34" charset="0"/>
+                  <a:buChar char="•"/>
+                </a:pPr>
+                <a:r>
+                  <a:rPr lang="en-US" sz="3000" dirty="0">
+                    <a:latin typeface="Calibri" panose="020F0502020204030204" pitchFamily="34" charset="0"/>
+                    <a:cs typeface="Calibri" panose="020F0502020204030204" pitchFamily="34" charset="0"/>
+                  </a:rPr>
+                  <a:t>We can capture the case where the updates are to the same coordinates through heavy-hitter algorithms</a:t>
+                </a:r>
+              </a:p>
+              <a:p>
+                <a:pPr marL="457200" indent="-457200">
+                  <a:spcBef>
+                    <a:spcPts val="600"/>
+                  </a:spcBef>
+                  <a:buClr>
+                    <a:schemeClr val="tx1"/>
+                  </a:buClr>
+                  <a:buFont typeface="Arial" panose="020B0604020202020204" pitchFamily="34" charset="0"/>
+                  <a:buChar char="•"/>
+                </a:pPr>
+                <a:r>
+                  <a:rPr lang="en-US" sz="3000" dirty="0">
+                    <a:latin typeface="Calibri" panose="020F0502020204030204" pitchFamily="34" charset="0"/>
+                    <a:cs typeface="Calibri" panose="020F0502020204030204" pitchFamily="34" charset="0"/>
+                  </a:rPr>
+                  <a:t>However, these heavy-hitter algorithms may themselves fail</a:t>
+                </a:r>
+              </a:p>
+              <a:p>
+                <a:pPr marL="457200" indent="-457200">
+                  <a:spcBef>
+                    <a:spcPts val="600"/>
+                  </a:spcBef>
+                  <a:buClr>
+                    <a:schemeClr val="tx1"/>
+                  </a:buClr>
+                  <a:buFont typeface="Arial" panose="020B0604020202020204" pitchFamily="34" charset="0"/>
+                  <a:buChar char="•"/>
+                </a:pPr>
+                <a:r>
+                  <a:rPr lang="en-US" sz="3000" dirty="0">
+                    <a:latin typeface="Calibri" panose="020F0502020204030204" pitchFamily="34" charset="0"/>
+                    <a:cs typeface="Calibri" panose="020F0502020204030204" pitchFamily="34" charset="0"/>
+                  </a:rPr>
+                  <a:t>Deterministic heavy-hitter algorithm for turnstile streams that uses </a:t>
                 </a:r>
                 <a14:m>
                   <m:oMath xmlns:m="http://schemas.openxmlformats.org/officeDocument/2006/math">
@@ -6762,7 +6991,7 @@
                       <m:accPr>
                         <m:chr m:val="̃"/>
                         <m:ctrlPr>
-                          <a:rPr lang="en-US" sz="3200" i="1">
+                          <a:rPr lang="en-US" sz="3000" i="1">
                             <a:solidFill>
                               <a:srgbClr val="C00000"/>
                             </a:solidFill>
@@ -6773,7 +7002,7 @@
                       </m:accPr>
                       <m:e>
                         <m:r>
-                          <a:rPr lang="en-US" sz="3200" i="1">
+                          <a:rPr lang="en-US" sz="3000" i="1">
                             <a:solidFill>
                               <a:srgbClr val="C00000"/>
                             </a:solidFill>
@@ -6787,7 +7016,7 @@
                     <m:d>
                       <m:dPr>
                         <m:ctrlPr>
-                          <a:rPr lang="en-US" sz="3200" i="1" dirty="0">
+                          <a:rPr lang="en-US" sz="3000" i="1" dirty="0">
                             <a:solidFill>
                               <a:srgbClr val="C00000"/>
                             </a:solidFill>
@@ -6800,7 +7029,7 @@
                         <m:f>
                           <m:fPr>
                             <m:ctrlPr>
-                              <a:rPr lang="en-US" sz="3200" i="1" dirty="0">
+                              <a:rPr lang="en-US" sz="3000" i="1" dirty="0">
                                 <a:solidFill>
                                   <a:srgbClr val="C00000"/>
                                 </a:solidFill>
@@ -6811,7 +7040,7 @@
                           </m:fPr>
                           <m:num>
                             <m:r>
-                              <a:rPr lang="en-US" sz="3200" i="1" dirty="0">
+                              <a:rPr lang="en-US" sz="3000" i="1" dirty="0">
                                 <a:solidFill>
                                   <a:srgbClr val="C00000"/>
                                 </a:solidFill>
@@ -6825,7 +7054,7 @@
                             <m:sSup>
                               <m:sSupPr>
                                 <m:ctrlPr>
-                                  <a:rPr lang="en-US" sz="3200" i="1" dirty="0">
+                                  <a:rPr lang="en-US" sz="3000" i="1" dirty="0">
                                     <a:solidFill>
                                       <a:srgbClr val="C00000"/>
                                     </a:solidFill>
@@ -6836,7 +7065,7 @@
                               </m:sSupPr>
                               <m:e>
                                 <m:r>
-                                  <a:rPr lang="en-US" sz="3200" i="1" dirty="0">
+                                  <a:rPr lang="en-US" sz="3000" i="1" dirty="0">
                                     <a:solidFill>
                                       <a:srgbClr val="C00000"/>
                                     </a:solidFill>
@@ -6848,7 +7077,7 @@
                               </m:e>
                               <m:sup>
                                 <m:r>
-                                  <a:rPr lang="en-US" sz="3200" i="1" dirty="0">
+                                  <a:rPr lang="en-US" sz="3000" i="1" dirty="0">
                                     <a:solidFill>
                                       <a:srgbClr val="C00000"/>
                                     </a:solidFill>
@@ -6864,7 +7093,7 @@
                         <m:sSup>
                           <m:sSupPr>
                             <m:ctrlPr>
-                              <a:rPr lang="en-US" sz="3200" b="0" i="1" dirty="0" smtClean="0">
+                              <a:rPr lang="en-US" sz="3000" b="0" i="1" dirty="0" smtClean="0">
                                 <a:solidFill>
                                   <a:srgbClr val="C00000"/>
                                 </a:solidFill>
@@ -6875,7 +7104,7 @@
                           </m:sSupPr>
                           <m:e>
                             <m:r>
-                              <a:rPr lang="en-US" sz="3200" b="0" i="1" dirty="0" smtClean="0">
+                              <a:rPr lang="en-US" sz="3000" b="0" i="1" dirty="0" smtClean="0">
                                 <a:solidFill>
                                   <a:srgbClr val="C00000"/>
                                 </a:solidFill>
@@ -6887,7 +7116,7 @@
                           </m:e>
                           <m:sup>
                             <m:r>
-                              <a:rPr lang="en-US" sz="3200" b="0" i="1" dirty="0" smtClean="0">
+                              <a:rPr lang="en-US" sz="3000" b="0" i="1" dirty="0" smtClean="0">
                                 <a:solidFill>
                                   <a:srgbClr val="C00000"/>
                                 </a:solidFill>
@@ -6897,7 +7126,7 @@
                               <m:t>2−2/</m:t>
                             </m:r>
                             <m:r>
-                              <a:rPr lang="en-US" sz="3200" b="0" i="1" dirty="0" smtClean="0">
+                              <a:rPr lang="en-US" sz="3000" b="0" i="1" dirty="0" smtClean="0">
                                 <a:solidFill>
                                   <a:srgbClr val="C00000"/>
                                 </a:solidFill>
@@ -6913,7 +7142,7 @@
                   </m:oMath>
                 </a14:m>
                 <a:r>
-                  <a:rPr lang="en-US" sz="3200" dirty="0">
+                  <a:rPr lang="en-US" sz="3000" dirty="0">
                     <a:latin typeface="Calibri" panose="020F0502020204030204" pitchFamily="34" charset="0"/>
                     <a:cs typeface="Calibri" panose="020F0502020204030204" pitchFamily="34" charset="0"/>
                   </a:rPr>
@@ -6922,7 +7151,7 @@
                 <a14:m>
                   <m:oMath xmlns:m="http://schemas.openxmlformats.org/officeDocument/2006/math">
                     <m:r>
-                      <a:rPr lang="en-US" sz="3200" b="0" i="1" smtClean="0">
+                      <a:rPr lang="en-US" sz="3000" b="0" i="1" smtClean="0">
                         <a:solidFill>
                           <a:srgbClr val="C00000"/>
                         </a:solidFill>
@@ -6932,7 +7161,7 @@
                       <m:t>𝑝</m:t>
                     </m:r>
                     <m:r>
-                      <a:rPr lang="en-US" sz="3200" b="0" i="1" smtClean="0">
+                      <a:rPr lang="en-US" sz="3000" b="0" i="1" smtClean="0">
                         <a:solidFill>
                           <a:srgbClr val="C00000"/>
                         </a:solidFill>
@@ -6951,7 +7180,7 @@
                   <a:t> </a:t>
                 </a:r>
                 <a:r>
-                  <a:rPr lang="en-US" sz="3200" dirty="0">
+                  <a:rPr lang="en-US" sz="3000" dirty="0">
                     <a:solidFill>
                       <a:schemeClr val="accent1"/>
                     </a:solidFill>
@@ -6960,33 +7189,94 @@
                   </a:rPr>
                   <a:t>[GM07]</a:t>
                 </a:r>
-              </a:p>
-              <a:p>
-                <a:pPr>
-                  <a:buClr>
-                    <a:schemeClr val="tx1"/>
-                  </a:buClr>
-                </a:pPr>
-                <a:endParaRPr lang="en-US" sz="3200" dirty="0">
-                  <a:solidFill>
-                    <a:schemeClr val="accent1"/>
-                  </a:solidFill>
+                <a:endParaRPr lang="en-US" sz="3000" dirty="0">
                   <a:latin typeface="Calibri" panose="020F0502020204030204" pitchFamily="34" charset="0"/>
                   <a:cs typeface="Calibri" panose="020F0502020204030204" pitchFamily="34" charset="0"/>
                 </a:endParaRPr>
               </a:p>
               <a:p>
-                <a:pPr>
+                <a:pPr marL="457200" indent="-457200">
+                  <a:spcBef>
+                    <a:spcPts val="600"/>
+                  </a:spcBef>
                   <a:buClr>
                     <a:schemeClr val="tx1"/>
                   </a:buClr>
+                  <a:buFont typeface="Arial" panose="020B0604020202020204" pitchFamily="34" charset="0"/>
+                  <a:buChar char="•"/>
                 </a:pPr>
-                <a:endParaRPr lang="en-US" sz="3200" dirty="0"/>
+                <a:r>
+                  <a:rPr lang="en-US" sz="3000" dirty="0">
+                    <a:latin typeface="Calibri" panose="020F0502020204030204" pitchFamily="34" charset="0"/>
+                    <a:cs typeface="Calibri" panose="020F0502020204030204" pitchFamily="34" charset="0"/>
+                  </a:rPr>
+                  <a:t>Leads to </a:t>
+                </a:r>
+                <a:r>
+                  <a:rPr lang="en-US" sz="3000" i="1" dirty="0">
+                    <a:solidFill>
+                      <a:srgbClr val="FF0000"/>
+                    </a:solidFill>
+                    <a:latin typeface="Calibri" panose="020F0502020204030204" pitchFamily="34" charset="0"/>
+                    <a:cs typeface="Calibri" panose="020F0502020204030204" pitchFamily="34" charset="0"/>
+                  </a:rPr>
+                  <a:t>better</a:t>
+                </a:r>
+                <a:r>
+                  <a:rPr lang="en-US" sz="3000" dirty="0">
+                    <a:latin typeface="Calibri" panose="020F0502020204030204" pitchFamily="34" charset="0"/>
+                    <a:cs typeface="Calibri" panose="020F0502020204030204" pitchFamily="34" charset="0"/>
+                  </a:rPr>
+                  <a:t> balancing for analyzing cases where value of the function changes by </a:t>
+                </a:r>
+                <a14:m>
+                  <m:oMath xmlns:m="http://schemas.openxmlformats.org/officeDocument/2006/math">
+                    <m:d>
+                      <m:dPr>
+                        <m:ctrlPr>
+                          <a:rPr lang="en-US" sz="3000" b="0" i="1" smtClean="0">
+                            <a:solidFill>
+                              <a:srgbClr val="C00000"/>
+                            </a:solidFill>
+                            <a:latin typeface="Cambria Math" panose="02040503050406030204" pitchFamily="18" charset="0"/>
+                          </a:rPr>
+                        </m:ctrlPr>
+                      </m:dPr>
+                      <m:e>
+                        <m:r>
+                          <a:rPr lang="en-US" sz="3000" b="0" i="1" smtClean="0">
+                            <a:solidFill>
+                              <a:srgbClr val="C00000"/>
+                            </a:solidFill>
+                            <a:latin typeface="Cambria Math" panose="02040503050406030204" pitchFamily="18" charset="0"/>
+                          </a:rPr>
+                          <m:t>1+</m:t>
+                        </m:r>
+                        <m:r>
+                          <a:rPr lang="en-US" sz="3000" b="0" i="1" smtClean="0">
+                            <a:solidFill>
+                              <a:srgbClr val="C00000"/>
+                            </a:solidFill>
+                            <a:latin typeface="Cambria Math" panose="02040503050406030204" pitchFamily="18" charset="0"/>
+                          </a:rPr>
+                          <m:t>𝜀</m:t>
+                        </m:r>
+                      </m:e>
+                    </m:d>
+                  </m:oMath>
+                </a14:m>
+                <a:r>
+                  <a:rPr lang="en-US" sz="3000" dirty="0">
+                    <a:latin typeface="Calibri" panose="020F0502020204030204" pitchFamily="34" charset="0"/>
+                    <a:cs typeface="Calibri" panose="020F0502020204030204" pitchFamily="34" charset="0"/>
+                  </a:rPr>
+                  <a:t>-multiplicative factor </a:t>
+                </a:r>
               </a:p>
             </p:txBody>
           </p:sp>
         </mc:Choice>
-        <mc:Fallback xmlns="">
+        <mc:Fallback>
           <p:sp>
             <p:nvSpPr>
               <p:cNvPr id="61" name="TextBox 60">
@@ -7003,8 +7293,8 @@
             </p:nvSpPr>
             <p:spPr>
               <a:xfrm>
-                <a:off x="22377400" y="4338530"/>
-                <a:ext cx="10287000" cy="2275879"/>
+                <a:off x="21842753" y="9516680"/>
+                <a:ext cx="10639873" cy="5245988"/>
               </a:xfrm>
               <a:prstGeom prst="rect">
                 <a:avLst/>
@@ -7012,7 +7302,7 @@
               <a:blipFill>
                 <a:blip r:embed="rId12"/>
                 <a:stretch>
-                  <a:fillRect l="-1423" t="-3217"/>
+                  <a:fillRect l="-1145" t="-1394" r="-859" b="-2671"/>
                 </a:stretch>
               </a:blipFill>
               <a:ln w="12700" cap="flat">
@@ -7036,6 +7326,913 @@
           </p:sp>
         </mc:Fallback>
       </mc:AlternateContent>
+      <p:sp>
+        <p:nvSpPr>
+          <p:cNvPr id="3" name="TextBox 38">
+            <a:extLst>
+              <a:ext uri="{FF2B5EF4-FFF2-40B4-BE49-F238E27FC236}">
+                <a16:creationId xmlns:a16="http://schemas.microsoft.com/office/drawing/2014/main" id="{FD4B37DE-0998-1647-2EFB-4332690037A6}"/>
+              </a:ext>
+            </a:extLst>
+          </p:cNvPr>
+          <p:cNvSpPr txBox="1"/>
+          <p:nvPr/>
+        </p:nvSpPr>
+        <p:spPr>
+          <a:xfrm>
+            <a:off x="780927" y="3140597"/>
+            <a:ext cx="10404754" cy="646331"/>
+          </a:xfrm>
+          <a:prstGeom prst="rect">
+            <a:avLst/>
+          </a:prstGeom>
+          <a:ln w="12700">
+            <a:miter lim="400000"/>
+          </a:ln>
+          <a:extLst>
+            <a:ext uri="{C572A759-6A51-4108-AA02-DFA0A04FC94B}">
+              <ma14:wrappingTextBoxFlag xmlns="" xmlns:m="http://schemas.openxmlformats.org/officeDocument/2006/math" xmlns:a14="http://schemas.microsoft.com/office/drawing/2010/main" xmlns:ma14="http://schemas.microsoft.com/office/mac/drawingml/2011/main" val="1"/>
+            </a:ext>
+          </a:extLst>
+        </p:spPr>
+        <p:txBody>
+          <a:bodyPr wrap="square" lIns="45719" rIns="45719">
+            <a:spAutoFit/>
+          </a:bodyPr>
+          <a:lstStyle>
+            <a:lvl1pPr>
+              <a:defRPr sz="3400">
+                <a:latin typeface="Arial"/>
+                <a:ea typeface="Arial"/>
+                <a:cs typeface="Arial"/>
+                <a:sym typeface="Arial"/>
+              </a:defRPr>
+            </a:lvl1pPr>
+          </a:lstStyle>
+          <a:p>
+            <a:r>
+              <a:rPr lang="en-US" sz="3600" dirty="0">
+                <a:solidFill>
+                  <a:srgbClr val="C00000"/>
+                </a:solidFill>
+                <a:latin typeface="Calibri Light" panose="020F0302020204030204" pitchFamily="34" charset="0"/>
+                <a:cs typeface="Calibri Light" panose="020F0302020204030204" pitchFamily="34" charset="0"/>
+              </a:rPr>
+              <a:t>Motivation</a:t>
+            </a:r>
+            <a:endParaRPr sz="3600" dirty="0"/>
+          </a:p>
+        </p:txBody>
+      </p:sp>
+      <p:sp>
+        <p:nvSpPr>
+          <p:cNvPr id="5" name="TextBox 39">
+            <a:extLst>
+              <a:ext uri="{FF2B5EF4-FFF2-40B4-BE49-F238E27FC236}">
+                <a16:creationId xmlns:a16="http://schemas.microsoft.com/office/drawing/2014/main" id="{C558FE92-A325-4872-8A74-126180C363F5}"/>
+              </a:ext>
+            </a:extLst>
+          </p:cNvPr>
+          <p:cNvSpPr txBox="1"/>
+          <p:nvPr/>
+        </p:nvSpPr>
+        <p:spPr>
+          <a:xfrm>
+            <a:off x="625473" y="3727162"/>
+            <a:ext cx="10092664" cy="3933384"/>
+          </a:xfrm>
+          <a:prstGeom prst="rect">
+            <a:avLst/>
+          </a:prstGeom>
+          <a:ln w="12700">
+            <a:miter lim="400000"/>
+          </a:ln>
+          <a:extLst>
+            <a:ext uri="{C572A759-6A51-4108-AA02-DFA0A04FC94B}">
+              <ma14:wrappingTextBoxFlag xmlns="" xmlns:m="http://schemas.openxmlformats.org/officeDocument/2006/math" xmlns:ma14="http://schemas.microsoft.com/office/mac/drawingml/2011/main" xmlns:a14="http://schemas.microsoft.com/office/drawing/2010/main" xmlns:mc="http://schemas.openxmlformats.org/markup-compatibility/2006" val="1"/>
+            </a:ext>
+          </a:extLst>
+        </p:spPr>
+        <p:txBody>
+          <a:bodyPr wrap="square" lIns="45719" rIns="45719">
+            <a:spAutoFit/>
+          </a:bodyPr>
+          <a:lstStyle>
+            <a:lvl1pPr>
+              <a:lnSpc>
+                <a:spcPct val="120000"/>
+              </a:lnSpc>
+              <a:defRPr sz="2100">
+                <a:solidFill>
+                  <a:srgbClr val="344854"/>
+                </a:solidFill>
+                <a:latin typeface="Arial"/>
+                <a:ea typeface="Arial"/>
+                <a:cs typeface="Arial"/>
+                <a:sym typeface="Arial"/>
+              </a:defRPr>
+            </a:lvl1pPr>
+          </a:lstStyle>
+          <a:p>
+            <a:pPr marL="457200" indent="-457200">
+              <a:buClr>
+                <a:schemeClr val="tx1"/>
+              </a:buClr>
+              <a:buFont typeface="Arial" panose="020B0604020202020204" pitchFamily="34" charset="0"/>
+              <a:buChar char="•"/>
+            </a:pPr>
+            <a:r>
+              <a:rPr lang="en-US" sz="3000" dirty="0">
+                <a:solidFill>
+                  <a:schemeClr val="tx1"/>
+                </a:solidFill>
+                <a:latin typeface="Calibri" panose="020F0502020204030204" pitchFamily="34" charset="0"/>
+                <a:cs typeface="Calibri" panose="020F0502020204030204" pitchFamily="34" charset="0"/>
+              </a:rPr>
+              <a:t>Algorithms are often evaluated with the assumption that the input is independent of the parameters of the algorithm</a:t>
+            </a:r>
+          </a:p>
+          <a:p>
+            <a:pPr marL="457200" indent="-457200">
+              <a:buClr>
+                <a:schemeClr val="tx1"/>
+              </a:buClr>
+              <a:buFont typeface="Arial" panose="020B0604020202020204" pitchFamily="34" charset="0"/>
+              <a:buChar char="•"/>
+            </a:pPr>
+            <a:r>
+              <a:rPr lang="en-US" sz="3000" dirty="0">
+                <a:solidFill>
+                  <a:schemeClr val="tx1"/>
+                </a:solidFill>
+                <a:latin typeface="Calibri" panose="020F0502020204030204" pitchFamily="34" charset="0"/>
+                <a:cs typeface="Calibri" panose="020F0502020204030204" pitchFamily="34" charset="0"/>
+              </a:rPr>
+              <a:t>Adversary may exploit these parameters to generate adversarial inputs</a:t>
+            </a:r>
+          </a:p>
+          <a:p>
+            <a:pPr marL="457200" indent="-457200">
+              <a:buClr>
+                <a:schemeClr val="tx1"/>
+              </a:buClr>
+              <a:buFont typeface="Arial" panose="020B0604020202020204" pitchFamily="34" charset="0"/>
+              <a:buChar char="•"/>
+            </a:pPr>
+            <a:r>
+              <a:rPr lang="en-US" sz="3000" dirty="0">
+                <a:solidFill>
+                  <a:schemeClr val="tx1"/>
+                </a:solidFill>
+                <a:latin typeface="Calibri" panose="020F0502020204030204" pitchFamily="34" charset="0"/>
+                <a:cs typeface="Calibri" panose="020F0502020204030204" pitchFamily="34" charset="0"/>
+              </a:rPr>
+              <a:t>Multiple interactions with the algorithm may cause future inputs to depend on previous outputs (and thus internal parameters of the algorithm)</a:t>
+            </a:r>
+          </a:p>
+        </p:txBody>
+      </p:sp>
+      <p:sp>
+        <p:nvSpPr>
+          <p:cNvPr id="9" name="TextBox 43">
+            <a:extLst>
+              <a:ext uri="{FF2B5EF4-FFF2-40B4-BE49-F238E27FC236}">
+                <a16:creationId xmlns:a16="http://schemas.microsoft.com/office/drawing/2014/main" id="{385879F7-0BA9-85DC-A6F0-5808DACEF349}"/>
+              </a:ext>
+            </a:extLst>
+          </p:cNvPr>
+          <p:cNvSpPr txBox="1"/>
+          <p:nvPr/>
+        </p:nvSpPr>
+        <p:spPr>
+          <a:xfrm>
+            <a:off x="21781402" y="14749873"/>
+            <a:ext cx="9064533" cy="646331"/>
+          </a:xfrm>
+          <a:prstGeom prst="rect">
+            <a:avLst/>
+          </a:prstGeom>
+          <a:ln w="12700">
+            <a:miter lim="400000"/>
+          </a:ln>
+          <a:extLst>
+            <a:ext uri="{C572A759-6A51-4108-AA02-DFA0A04FC94B}">
+              <ma14:wrappingTextBoxFlag xmlns="" xmlns:m="http://schemas.openxmlformats.org/officeDocument/2006/math" xmlns:a14="http://schemas.microsoft.com/office/drawing/2010/main" xmlns:ma14="http://schemas.microsoft.com/office/mac/drawingml/2011/main" val="1"/>
+            </a:ext>
+          </a:extLst>
+        </p:spPr>
+        <p:txBody>
+          <a:bodyPr lIns="45719" rIns="45719">
+            <a:spAutoFit/>
+          </a:bodyPr>
+          <a:lstStyle>
+            <a:lvl1pPr>
+              <a:defRPr sz="3400">
+                <a:latin typeface="Arial"/>
+                <a:ea typeface="Arial"/>
+                <a:cs typeface="Arial"/>
+                <a:sym typeface="Arial"/>
+              </a:defRPr>
+            </a:lvl1pPr>
+          </a:lstStyle>
+          <a:p>
+            <a:r>
+              <a:rPr lang="en-US" sz="3600" dirty="0">
+                <a:solidFill>
+                  <a:srgbClr val="C00000"/>
+                </a:solidFill>
+                <a:latin typeface="Calibri Light" panose="020F0302020204030204" pitchFamily="34" charset="0"/>
+                <a:cs typeface="Calibri Light" panose="020F0302020204030204" pitchFamily="34" charset="0"/>
+              </a:rPr>
+              <a:t>Experiments</a:t>
+            </a:r>
+          </a:p>
+        </p:txBody>
+      </p:sp>
+      <p:sp>
+        <p:nvSpPr>
+          <p:cNvPr id="10" name="TextBox 9">
+            <a:extLst>
+              <a:ext uri="{FF2B5EF4-FFF2-40B4-BE49-F238E27FC236}">
+                <a16:creationId xmlns:a16="http://schemas.microsoft.com/office/drawing/2014/main" id="{DF2EB72E-E5A6-2C32-65AA-B74889403DFA}"/>
+              </a:ext>
+            </a:extLst>
+          </p:cNvPr>
+          <p:cNvSpPr txBox="1"/>
+          <p:nvPr/>
+        </p:nvSpPr>
+        <p:spPr>
+          <a:xfrm>
+            <a:off x="21843352" y="15568801"/>
+            <a:ext cx="10945950" cy="2400657"/>
+          </a:xfrm>
+          <a:prstGeom prst="rect">
+            <a:avLst/>
+          </a:prstGeom>
+          <a:noFill/>
+          <a:ln w="12700" cap="flat">
+            <a:noFill/>
+            <a:miter lim="400000"/>
+          </a:ln>
+          <a:effectLst/>
+          <a:sp3d/>
+        </p:spPr>
+        <p:style>
+          <a:lnRef idx="0">
+            <a:scrgbClr r="0" g="0" b="0"/>
+          </a:lnRef>
+          <a:fillRef idx="0">
+            <a:scrgbClr r="0" g="0" b="0"/>
+          </a:fillRef>
+          <a:effectRef idx="0">
+            <a:scrgbClr r="0" g="0" b="0"/>
+          </a:effectRef>
+          <a:fontRef idx="none"/>
+        </p:style>
+        <p:txBody>
+          <a:bodyPr wrap="square">
+            <a:spAutoFit/>
+          </a:bodyPr>
+          <a:lstStyle/>
+          <a:p>
+            <a:pPr marL="457200" indent="-457200">
+              <a:buClr>
+                <a:schemeClr val="tx1"/>
+              </a:buClr>
+              <a:buFont typeface="Arial" panose="020B0604020202020204" pitchFamily="34" charset="0"/>
+              <a:buChar char="•"/>
+            </a:pPr>
+            <a:r>
+              <a:rPr lang="en-US" sz="3000" dirty="0">
+                <a:latin typeface="Calibri" panose="020F0502020204030204" pitchFamily="34" charset="0"/>
+                <a:cs typeface="Calibri" panose="020F0502020204030204" pitchFamily="34" charset="0"/>
+              </a:rPr>
+              <a:t>CAIDA traffic monitoring dataset, with anonymized passive traffic traces from the “</a:t>
+            </a:r>
+            <a:r>
+              <a:rPr lang="en-US" sz="3000" dirty="0" err="1">
+                <a:latin typeface="Calibri" panose="020F0502020204030204" pitchFamily="34" charset="0"/>
+                <a:cs typeface="Calibri" panose="020F0502020204030204" pitchFamily="34" charset="0"/>
+              </a:rPr>
+              <a:t>equinix-nyc</a:t>
+            </a:r>
+            <a:r>
+              <a:rPr lang="en-US" sz="3000" dirty="0">
+                <a:latin typeface="Calibri" panose="020F0502020204030204" pitchFamily="34" charset="0"/>
+                <a:cs typeface="Calibri" panose="020F0502020204030204" pitchFamily="34" charset="0"/>
+              </a:rPr>
+              <a:t>” data center’s high-speed monitor</a:t>
+            </a:r>
+          </a:p>
+          <a:p>
+            <a:pPr marL="457200" indent="-457200">
+              <a:buClr>
+                <a:schemeClr val="tx1"/>
+              </a:buClr>
+              <a:buFont typeface="Arial" panose="020B0604020202020204" pitchFamily="34" charset="0"/>
+              <a:buChar char="•"/>
+            </a:pPr>
+            <a:r>
+              <a:rPr lang="en-US" sz="3000" dirty="0">
+                <a:latin typeface="Calibri" panose="020F0502020204030204" pitchFamily="34" charset="0"/>
+                <a:cs typeface="Calibri" panose="020F0502020204030204" pitchFamily="34" charset="0"/>
+              </a:rPr>
+              <a:t>Extracted sender IP addresses from 12 minutes of the internet flow data, containing roughly 3 million total events</a:t>
+            </a:r>
+          </a:p>
+          <a:p>
+            <a:pPr marL="457200" indent="-457200">
+              <a:buClr>
+                <a:schemeClr val="tx1"/>
+              </a:buClr>
+              <a:buFont typeface="Arial" panose="020B0604020202020204" pitchFamily="34" charset="0"/>
+              <a:buChar char="•"/>
+            </a:pPr>
+            <a:r>
+              <a:rPr lang="en-US" sz="3000" dirty="0">
+                <a:latin typeface="Calibri" panose="020F0502020204030204" pitchFamily="34" charset="0"/>
+                <a:cs typeface="Calibri" panose="020F0502020204030204" pitchFamily="34" charset="0"/>
+              </a:rPr>
+              <a:t>Compared flip number vs. flip number of residual vector</a:t>
+            </a:r>
+          </a:p>
+        </p:txBody>
+      </p:sp>
+      <p:pic>
+        <p:nvPicPr>
+          <p:cNvPr id="15" name="Picture 14">
+            <a:extLst>
+              <a:ext uri="{FF2B5EF4-FFF2-40B4-BE49-F238E27FC236}">
+                <a16:creationId xmlns:a16="http://schemas.microsoft.com/office/drawing/2014/main" id="{E3E3C596-0BCD-8679-A938-5B9CBC212A85}"/>
+              </a:ext>
+            </a:extLst>
+          </p:cNvPr>
+          <p:cNvPicPr>
+            <a:picLocks noChangeAspect="1"/>
+          </p:cNvPicPr>
+          <p:nvPr/>
+        </p:nvPicPr>
+        <p:blipFill>
+          <a:blip r:embed="rId13"/>
+          <a:stretch>
+            <a:fillRect/>
+          </a:stretch>
+        </p:blipFill>
+        <p:spPr>
+          <a:xfrm>
+            <a:off x="21996390" y="17969458"/>
+            <a:ext cx="3368121" cy="2278435"/>
+          </a:xfrm>
+          <a:prstGeom prst="rect">
+            <a:avLst/>
+          </a:prstGeom>
+        </p:spPr>
+      </p:pic>
+      <p:pic>
+        <p:nvPicPr>
+          <p:cNvPr id="19" name="Picture 18">
+            <a:extLst>
+              <a:ext uri="{FF2B5EF4-FFF2-40B4-BE49-F238E27FC236}">
+                <a16:creationId xmlns:a16="http://schemas.microsoft.com/office/drawing/2014/main" id="{CD286131-6545-5FDE-7452-9234F874A6CA}"/>
+              </a:ext>
+            </a:extLst>
+          </p:cNvPr>
+          <p:cNvPicPr>
+            <a:picLocks noChangeAspect="1"/>
+          </p:cNvPicPr>
+          <p:nvPr/>
+        </p:nvPicPr>
+        <p:blipFill>
+          <a:blip r:embed="rId14"/>
+          <a:stretch>
+            <a:fillRect/>
+          </a:stretch>
+        </p:blipFill>
+        <p:spPr>
+          <a:xfrm>
+            <a:off x="25594055" y="18028011"/>
+            <a:ext cx="3340973" cy="2238452"/>
+          </a:xfrm>
+          <a:prstGeom prst="rect">
+            <a:avLst/>
+          </a:prstGeom>
+        </p:spPr>
+      </p:pic>
+      <p:pic>
+        <p:nvPicPr>
+          <p:cNvPr id="22" name="Picture 21">
+            <a:extLst>
+              <a:ext uri="{FF2B5EF4-FFF2-40B4-BE49-F238E27FC236}">
+                <a16:creationId xmlns:a16="http://schemas.microsoft.com/office/drawing/2014/main" id="{5889768A-1A01-6B32-62ED-A1C2AF5AB67A}"/>
+              </a:ext>
+            </a:extLst>
+          </p:cNvPr>
+          <p:cNvPicPr>
+            <a:picLocks noChangeAspect="1"/>
+          </p:cNvPicPr>
+          <p:nvPr/>
+        </p:nvPicPr>
+        <p:blipFill>
+          <a:blip r:embed="rId15"/>
+          <a:stretch>
+            <a:fillRect/>
+          </a:stretch>
+        </p:blipFill>
+        <p:spPr>
+          <a:xfrm>
+            <a:off x="29167115" y="18083242"/>
+            <a:ext cx="2885279" cy="2130291"/>
+          </a:xfrm>
+          <a:prstGeom prst="rect">
+            <a:avLst/>
+          </a:prstGeom>
+        </p:spPr>
+      </p:pic>
+      <p:sp>
+        <p:nvSpPr>
+          <p:cNvPr id="23" name="TextBox 61">
+            <a:extLst>
+              <a:ext uri="{FF2B5EF4-FFF2-40B4-BE49-F238E27FC236}">
+                <a16:creationId xmlns:a16="http://schemas.microsoft.com/office/drawing/2014/main" id="{034C1090-6F67-3326-6935-36CC7A034494}"/>
+              </a:ext>
+            </a:extLst>
+          </p:cNvPr>
+          <p:cNvSpPr txBox="1"/>
+          <p:nvPr/>
+        </p:nvSpPr>
+        <p:spPr>
+          <a:xfrm>
+            <a:off x="17555427" y="20658134"/>
+            <a:ext cx="7611711" cy="1200329"/>
+          </a:xfrm>
+          <a:prstGeom prst="rect">
+            <a:avLst/>
+          </a:prstGeom>
+          <a:ln w="12700">
+            <a:miter lim="400000"/>
+          </a:ln>
+          <a:extLst>
+            <a:ext uri="{C572A759-6A51-4108-AA02-DFA0A04FC94B}">
+              <ma14:wrappingTextBoxFlag xmlns:ma14="http://schemas.microsoft.com/office/mac/drawingml/2011/main" xmlns:a14="http://schemas.microsoft.com/office/drawing/2010/main" xmlns:m="http://schemas.openxmlformats.org/officeDocument/2006/math" xmlns="" val="1"/>
+            </a:ext>
+          </a:extLst>
+        </p:spPr>
+        <p:txBody>
+          <a:bodyPr wrap="square" lIns="45719" rIns="45719" anchor="b">
+            <a:spAutoFit/>
+          </a:bodyPr>
+          <a:lstStyle/>
+          <a:p>
+            <a:pPr>
+              <a:defRPr sz="1400">
+                <a:latin typeface="Arial"/>
+                <a:ea typeface="Arial"/>
+                <a:cs typeface="Arial"/>
+                <a:sym typeface="Arial"/>
+              </a:defRPr>
+            </a:pPr>
+            <a:r>
+              <a:rPr lang="en-US" sz="1800" dirty="0">
+                <a:solidFill>
+                  <a:srgbClr val="0070C0"/>
+                </a:solidFill>
+                <a:latin typeface="Calibri" panose="020F0502020204030204" pitchFamily="34" charset="0"/>
+                <a:cs typeface="Calibri" panose="020F0502020204030204" pitchFamily="34" charset="0"/>
+              </a:rPr>
+              <a:t>[BJWY22]: </a:t>
+            </a:r>
+            <a:r>
+              <a:rPr lang="en-US" sz="1800" dirty="0">
+                <a:solidFill>
+                  <a:schemeClr val="tx1"/>
+                </a:solidFill>
+                <a:latin typeface="Calibri" panose="020F0502020204030204" pitchFamily="34" charset="0"/>
+                <a:cs typeface="Calibri" panose="020F0502020204030204" pitchFamily="34" charset="0"/>
+              </a:rPr>
+              <a:t>Omri Ben-Eliezer, Rajesh Jayaram, David P. Woodruff, and </a:t>
+            </a:r>
+            <a:r>
+              <a:rPr lang="en-US" sz="1800" dirty="0" err="1">
+                <a:solidFill>
+                  <a:schemeClr val="tx1"/>
+                </a:solidFill>
+                <a:latin typeface="Calibri" panose="020F0502020204030204" pitchFamily="34" charset="0"/>
+                <a:cs typeface="Calibri" panose="020F0502020204030204" pitchFamily="34" charset="0"/>
+              </a:rPr>
+              <a:t>Eylon</a:t>
+            </a:r>
+            <a:r>
+              <a:rPr lang="en-US" sz="1800" dirty="0">
+                <a:solidFill>
+                  <a:schemeClr val="tx1"/>
+                </a:solidFill>
+                <a:latin typeface="Calibri" panose="020F0502020204030204" pitchFamily="34" charset="0"/>
+                <a:cs typeface="Calibri" panose="020F0502020204030204" pitchFamily="34" charset="0"/>
+              </a:rPr>
+              <a:t> </a:t>
+            </a:r>
+            <a:r>
+              <a:rPr lang="en-US" sz="1800" dirty="0" err="1">
+                <a:solidFill>
+                  <a:schemeClr val="tx1"/>
+                </a:solidFill>
+                <a:latin typeface="Calibri" panose="020F0502020204030204" pitchFamily="34" charset="0"/>
+                <a:cs typeface="Calibri" panose="020F0502020204030204" pitchFamily="34" charset="0"/>
+              </a:rPr>
+              <a:t>Yogev</a:t>
+            </a:r>
+            <a:r>
+              <a:rPr lang="en-US" sz="1800" dirty="0">
+                <a:solidFill>
+                  <a:schemeClr val="tx1"/>
+                </a:solidFill>
+                <a:latin typeface="Calibri" panose="020F0502020204030204" pitchFamily="34" charset="0"/>
+                <a:cs typeface="Calibri" panose="020F0502020204030204" pitchFamily="34" charset="0"/>
+              </a:rPr>
+              <a:t>. A framework for </a:t>
+            </a:r>
+            <a:r>
+              <a:rPr lang="en-US" sz="1800" dirty="0" err="1">
+                <a:solidFill>
+                  <a:schemeClr val="tx1"/>
+                </a:solidFill>
+                <a:latin typeface="Calibri" panose="020F0502020204030204" pitchFamily="34" charset="0"/>
+                <a:cs typeface="Calibri" panose="020F0502020204030204" pitchFamily="34" charset="0"/>
+              </a:rPr>
+              <a:t>adversarially</a:t>
+            </a:r>
+            <a:r>
+              <a:rPr lang="en-US" sz="1800" dirty="0">
+                <a:solidFill>
+                  <a:schemeClr val="tx1"/>
+                </a:solidFill>
+                <a:latin typeface="Calibri" panose="020F0502020204030204" pitchFamily="34" charset="0"/>
+                <a:cs typeface="Calibri" panose="020F0502020204030204" pitchFamily="34" charset="0"/>
+              </a:rPr>
+              <a:t> robust streaming algorithms. J. ACM,, 2022</a:t>
+            </a:r>
+          </a:p>
+          <a:p>
+            <a:pPr>
+              <a:defRPr sz="1400">
+                <a:latin typeface="Arial"/>
+                <a:ea typeface="Arial"/>
+                <a:cs typeface="Arial"/>
+                <a:sym typeface="Arial"/>
+              </a:defRPr>
+            </a:pPr>
+            <a:r>
+              <a:rPr lang="en-US" sz="1800" dirty="0">
+                <a:solidFill>
+                  <a:srgbClr val="0070C0"/>
+                </a:solidFill>
+                <a:latin typeface="Calibri" panose="020F0502020204030204" pitchFamily="34" charset="0"/>
+                <a:cs typeface="Calibri" panose="020F0502020204030204" pitchFamily="34" charset="0"/>
+              </a:rPr>
+              <a:t>[BEO22]: </a:t>
+            </a:r>
+            <a:r>
+              <a:rPr lang="en-US" sz="1800" dirty="0">
+                <a:solidFill>
+                  <a:schemeClr val="tx1"/>
+                </a:solidFill>
+                <a:latin typeface="Calibri" panose="020F0502020204030204" pitchFamily="34" charset="0"/>
+                <a:cs typeface="Calibri" panose="020F0502020204030204" pitchFamily="34" charset="0"/>
+              </a:rPr>
+              <a:t>Omri Ben-Eliezer, Talya Eden, and Krzysztof </a:t>
+            </a:r>
+            <a:r>
+              <a:rPr lang="en-US" sz="1800" dirty="0" err="1">
+                <a:solidFill>
+                  <a:schemeClr val="tx1"/>
+                </a:solidFill>
+                <a:latin typeface="Calibri" panose="020F0502020204030204" pitchFamily="34" charset="0"/>
+                <a:cs typeface="Calibri" panose="020F0502020204030204" pitchFamily="34" charset="0"/>
+              </a:rPr>
+              <a:t>Onak</a:t>
+            </a:r>
+            <a:r>
+              <a:rPr lang="en-US" sz="1800" dirty="0">
+                <a:solidFill>
+                  <a:schemeClr val="tx1"/>
+                </a:solidFill>
+                <a:latin typeface="Calibri" panose="020F0502020204030204" pitchFamily="34" charset="0"/>
+                <a:cs typeface="Calibri" panose="020F0502020204030204" pitchFamily="34" charset="0"/>
+              </a:rPr>
+              <a:t>. </a:t>
+            </a:r>
+            <a:r>
+              <a:rPr lang="en-US" sz="1800" dirty="0" err="1">
+                <a:solidFill>
+                  <a:schemeClr val="tx1"/>
+                </a:solidFill>
+                <a:latin typeface="Calibri" panose="020F0502020204030204" pitchFamily="34" charset="0"/>
+                <a:cs typeface="Calibri" panose="020F0502020204030204" pitchFamily="34" charset="0"/>
+              </a:rPr>
+              <a:t>Adversarially</a:t>
+            </a:r>
+            <a:r>
+              <a:rPr lang="en-US" sz="1800" dirty="0">
+                <a:solidFill>
+                  <a:schemeClr val="tx1"/>
+                </a:solidFill>
+                <a:latin typeface="Calibri" panose="020F0502020204030204" pitchFamily="34" charset="0"/>
+                <a:cs typeface="Calibri" panose="020F0502020204030204" pitchFamily="34" charset="0"/>
+              </a:rPr>
+              <a:t> robust streaming via dense-sparse trade-offs. SOSA, 2022</a:t>
+            </a:r>
+          </a:p>
+        </p:txBody>
+      </p:sp>
+      <p:sp>
+        <p:nvSpPr>
+          <p:cNvPr id="26" name="TextBox 45">
+            <a:extLst>
+              <a:ext uri="{FF2B5EF4-FFF2-40B4-BE49-F238E27FC236}">
+                <a16:creationId xmlns:a16="http://schemas.microsoft.com/office/drawing/2014/main" id="{9ECF207B-281E-87FB-1C0B-8A40F6BF0C84}"/>
+              </a:ext>
+            </a:extLst>
+          </p:cNvPr>
+          <p:cNvSpPr txBox="1"/>
+          <p:nvPr/>
+        </p:nvSpPr>
+        <p:spPr>
+          <a:xfrm>
+            <a:off x="19751652" y="19985973"/>
+            <a:ext cx="2567656" cy="646331"/>
+          </a:xfrm>
+          <a:prstGeom prst="rect">
+            <a:avLst/>
+          </a:prstGeom>
+          <a:ln w="12700">
+            <a:miter lim="400000"/>
+          </a:ln>
+          <a:extLst>
+            <a:ext uri="{C572A759-6A51-4108-AA02-DFA0A04FC94B}">
+              <ma14:wrappingTextBoxFlag xmlns:ma14="http://schemas.microsoft.com/office/mac/drawingml/2011/main" xmlns:a14="http://schemas.microsoft.com/office/drawing/2010/main" xmlns:m="http://schemas.openxmlformats.org/officeDocument/2006/math" xmlns="" val="1"/>
+            </a:ext>
+          </a:extLst>
+        </p:spPr>
+        <p:txBody>
+          <a:bodyPr wrap="square" lIns="45719" rIns="45719">
+            <a:spAutoFit/>
+          </a:bodyPr>
+          <a:lstStyle>
+            <a:lvl1pPr>
+              <a:defRPr sz="3400">
+                <a:latin typeface="Arial"/>
+                <a:ea typeface="Arial"/>
+                <a:cs typeface="Arial"/>
+                <a:sym typeface="Arial"/>
+              </a:defRPr>
+            </a:lvl1pPr>
+          </a:lstStyle>
+          <a:p>
+            <a:r>
+              <a:rPr lang="en-US" sz="3600" dirty="0">
+                <a:solidFill>
+                  <a:srgbClr val="C00000"/>
+                </a:solidFill>
+                <a:latin typeface="Calibri Light" panose="020F0302020204030204" pitchFamily="34" charset="0"/>
+                <a:cs typeface="Calibri Light" panose="020F0302020204030204" pitchFamily="34" charset="0"/>
+              </a:rPr>
+              <a:t>References</a:t>
+            </a:r>
+            <a:endParaRPr sz="3600" dirty="0"/>
+          </a:p>
+        </p:txBody>
+      </p:sp>
+      <p:sp>
+        <p:nvSpPr>
+          <p:cNvPr id="28" name="TextBox 61">
+            <a:extLst>
+              <a:ext uri="{FF2B5EF4-FFF2-40B4-BE49-F238E27FC236}">
+                <a16:creationId xmlns:a16="http://schemas.microsoft.com/office/drawing/2014/main" id="{7AA49ABC-F4AB-7FCF-F6D5-077B1AE1D007}"/>
+              </a:ext>
+            </a:extLst>
+          </p:cNvPr>
+          <p:cNvSpPr txBox="1"/>
+          <p:nvPr/>
+        </p:nvSpPr>
+        <p:spPr>
+          <a:xfrm>
+            <a:off x="11050975" y="20757472"/>
+            <a:ext cx="5836364" cy="461665"/>
+          </a:xfrm>
+          <a:prstGeom prst="rect">
+            <a:avLst/>
+          </a:prstGeom>
+          <a:ln w="12700">
+            <a:miter lim="400000"/>
+          </a:ln>
+          <a:extLst>
+            <a:ext uri="{C572A759-6A51-4108-AA02-DFA0A04FC94B}">
+              <ma14:wrappingTextBoxFlag xmlns:ma14="http://schemas.microsoft.com/office/mac/drawingml/2011/main" xmlns:a14="http://schemas.microsoft.com/office/drawing/2010/main" xmlns:m="http://schemas.openxmlformats.org/officeDocument/2006/math" xmlns="" val="1"/>
+            </a:ext>
+          </a:extLst>
+        </p:spPr>
+        <p:txBody>
+          <a:bodyPr wrap="square" lIns="45719" rIns="45719" anchor="b">
+            <a:spAutoFit/>
+          </a:bodyPr>
+          <a:lstStyle/>
+          <a:p>
+            <a:pPr>
+              <a:defRPr sz="1400">
+                <a:latin typeface="Arial"/>
+                <a:ea typeface="Arial"/>
+                <a:cs typeface="Arial"/>
+                <a:sym typeface="Arial"/>
+              </a:defRPr>
+            </a:pPr>
+            <a:r>
+              <a:rPr lang="en-US" sz="2400" dirty="0">
+                <a:solidFill>
+                  <a:srgbClr val="FF0066"/>
+                </a:solidFill>
+                <a:latin typeface="Calibri" panose="020F0502020204030204" pitchFamily="34" charset="0"/>
+                <a:cs typeface="Calibri" panose="020F0502020204030204" pitchFamily="34" charset="0"/>
+              </a:rPr>
+              <a:t>https://github.com/samsonzhou/WZ24</a:t>
+            </a:r>
+          </a:p>
+        </p:txBody>
+      </p:sp>
+      <p:sp>
+        <p:nvSpPr>
+          <p:cNvPr id="31" name="TextBox 61">
+            <a:extLst>
+              <a:ext uri="{FF2B5EF4-FFF2-40B4-BE49-F238E27FC236}">
+                <a16:creationId xmlns:a16="http://schemas.microsoft.com/office/drawing/2014/main" id="{9921B32C-F191-F712-8C37-2B5C796F8258}"/>
+              </a:ext>
+            </a:extLst>
+          </p:cNvPr>
+          <p:cNvSpPr txBox="1"/>
+          <p:nvPr/>
+        </p:nvSpPr>
+        <p:spPr>
+          <a:xfrm>
+            <a:off x="25177591" y="20282623"/>
+            <a:ext cx="7611711" cy="1477328"/>
+          </a:xfrm>
+          <a:prstGeom prst="rect">
+            <a:avLst/>
+          </a:prstGeom>
+          <a:ln w="12700">
+            <a:miter lim="400000"/>
+          </a:ln>
+          <a:extLst>
+            <a:ext uri="{C572A759-6A51-4108-AA02-DFA0A04FC94B}">
+              <ma14:wrappingTextBoxFlag xmlns:ma14="http://schemas.microsoft.com/office/mac/drawingml/2011/main" xmlns:a14="http://schemas.microsoft.com/office/drawing/2010/main" xmlns:m="http://schemas.openxmlformats.org/officeDocument/2006/math" xmlns="" val="1"/>
+            </a:ext>
+          </a:extLst>
+        </p:spPr>
+        <p:txBody>
+          <a:bodyPr wrap="square" lIns="45719" rIns="45719" anchor="b">
+            <a:spAutoFit/>
+          </a:bodyPr>
+          <a:lstStyle/>
+          <a:p>
+            <a:r>
+              <a:rPr lang="en-US" sz="1800" dirty="0">
+                <a:solidFill>
+                  <a:schemeClr val="accent1"/>
+                </a:solidFill>
+                <a:latin typeface="Calibri" panose="020F0502020204030204" pitchFamily="34" charset="0"/>
+                <a:cs typeface="Calibri" panose="020F0502020204030204" pitchFamily="34" charset="0"/>
+              </a:rPr>
+              <a:t>[HKM+20]: </a:t>
+            </a:r>
+            <a:r>
+              <a:rPr lang="en-US" sz="1800" dirty="0" err="1">
+                <a:solidFill>
+                  <a:schemeClr val="tx1"/>
+                </a:solidFill>
+                <a:latin typeface="Calibri" panose="020F0502020204030204" pitchFamily="34" charset="0"/>
+                <a:cs typeface="Calibri" panose="020F0502020204030204" pitchFamily="34" charset="0"/>
+              </a:rPr>
+              <a:t>Avinatan</a:t>
+            </a:r>
+            <a:r>
+              <a:rPr lang="en-US" sz="1800" dirty="0">
+                <a:solidFill>
+                  <a:schemeClr val="tx1"/>
+                </a:solidFill>
+                <a:latin typeface="Calibri" panose="020F0502020204030204" pitchFamily="34" charset="0"/>
+                <a:cs typeface="Calibri" panose="020F0502020204030204" pitchFamily="34" charset="0"/>
+              </a:rPr>
+              <a:t> Hassidim, Haim Kaplan, </a:t>
+            </a:r>
+            <a:r>
+              <a:rPr lang="en-US" sz="1800" dirty="0" err="1">
+                <a:solidFill>
+                  <a:schemeClr val="tx1"/>
+                </a:solidFill>
+                <a:latin typeface="Calibri" panose="020F0502020204030204" pitchFamily="34" charset="0"/>
+                <a:cs typeface="Calibri" panose="020F0502020204030204" pitchFamily="34" charset="0"/>
+              </a:rPr>
+              <a:t>Yishay</a:t>
+            </a:r>
+            <a:r>
+              <a:rPr lang="en-US" sz="1800" dirty="0">
+                <a:solidFill>
+                  <a:schemeClr val="tx1"/>
+                </a:solidFill>
+                <a:latin typeface="Calibri" panose="020F0502020204030204" pitchFamily="34" charset="0"/>
+                <a:cs typeface="Calibri" panose="020F0502020204030204" pitchFamily="34" charset="0"/>
+              </a:rPr>
+              <a:t> Mansour, Yossi Matias, and Uri Stemmer. </a:t>
+            </a:r>
+            <a:r>
+              <a:rPr lang="en-US" sz="1800" dirty="0" err="1">
+                <a:solidFill>
+                  <a:schemeClr val="tx1"/>
+                </a:solidFill>
+                <a:latin typeface="Calibri" panose="020F0502020204030204" pitchFamily="34" charset="0"/>
+                <a:cs typeface="Calibri" panose="020F0502020204030204" pitchFamily="34" charset="0"/>
+              </a:rPr>
+              <a:t>Adversarially</a:t>
+            </a:r>
+            <a:r>
+              <a:rPr lang="en-US" sz="1800" dirty="0">
+                <a:solidFill>
+                  <a:schemeClr val="tx1"/>
+                </a:solidFill>
+                <a:latin typeface="Calibri" panose="020F0502020204030204" pitchFamily="34" charset="0"/>
+                <a:cs typeface="Calibri" panose="020F0502020204030204" pitchFamily="34" charset="0"/>
+              </a:rPr>
+              <a:t> robust streaming algorithms via differential privacy. </a:t>
+            </a:r>
+            <a:r>
+              <a:rPr lang="en-US" sz="1800" dirty="0" err="1">
+                <a:solidFill>
+                  <a:schemeClr val="tx1"/>
+                </a:solidFill>
+                <a:latin typeface="Calibri" panose="020F0502020204030204" pitchFamily="34" charset="0"/>
+                <a:cs typeface="Calibri" panose="020F0502020204030204" pitchFamily="34" charset="0"/>
+              </a:rPr>
+              <a:t>NeurIPS</a:t>
+            </a:r>
+            <a:r>
+              <a:rPr lang="en-US" sz="1800" dirty="0">
+                <a:solidFill>
+                  <a:schemeClr val="tx1"/>
+                </a:solidFill>
+                <a:latin typeface="Calibri" panose="020F0502020204030204" pitchFamily="34" charset="0"/>
+                <a:cs typeface="Calibri" panose="020F0502020204030204" pitchFamily="34" charset="0"/>
+              </a:rPr>
+              <a:t>, 2020</a:t>
+            </a:r>
+          </a:p>
+          <a:p>
+            <a:r>
+              <a:rPr lang="en-US" sz="1800" dirty="0">
+                <a:solidFill>
+                  <a:srgbClr val="0070C0"/>
+                </a:solidFill>
+                <a:latin typeface="Calibri" panose="020F0502020204030204" pitchFamily="34" charset="0"/>
+                <a:cs typeface="Calibri" panose="020F0502020204030204" pitchFamily="34" charset="0"/>
+              </a:rPr>
+              <a:t>[WZ21]: </a:t>
+            </a:r>
+            <a:r>
+              <a:rPr lang="en-US" sz="1800" dirty="0">
+                <a:solidFill>
+                  <a:schemeClr val="tx1"/>
+                </a:solidFill>
+                <a:latin typeface="Calibri" panose="020F0502020204030204" pitchFamily="34" charset="0"/>
+                <a:cs typeface="Calibri" panose="020F0502020204030204" pitchFamily="34" charset="0"/>
+              </a:rPr>
+              <a:t>David P. Woodruff and Samson Zhou. Tight bounds for </a:t>
+            </a:r>
+            <a:r>
+              <a:rPr lang="en-US" sz="1800" dirty="0" err="1">
+                <a:solidFill>
+                  <a:schemeClr val="tx1"/>
+                </a:solidFill>
+                <a:latin typeface="Calibri" panose="020F0502020204030204" pitchFamily="34" charset="0"/>
+                <a:cs typeface="Calibri" panose="020F0502020204030204" pitchFamily="34" charset="0"/>
+              </a:rPr>
+              <a:t>adversarially</a:t>
+            </a:r>
+            <a:r>
+              <a:rPr lang="en-US" sz="1800" dirty="0">
+                <a:solidFill>
+                  <a:schemeClr val="tx1"/>
+                </a:solidFill>
+                <a:latin typeface="Calibri" panose="020F0502020204030204" pitchFamily="34" charset="0"/>
+                <a:cs typeface="Calibri" panose="020F0502020204030204" pitchFamily="34" charset="0"/>
+              </a:rPr>
+              <a:t> robust streams and sliding windows via difference estimators. FOCS 2021</a:t>
+            </a:r>
+            <a:endParaRPr lang="en-US" sz="1800" dirty="0">
+              <a:solidFill>
+                <a:schemeClr val="tx1"/>
+              </a:solidFill>
+            </a:endParaRPr>
+          </a:p>
+        </p:txBody>
+      </p:sp>
     </p:spTree>
   </p:cSld>
   <p:clrMapOvr>
